--- a/ppt/MILP.pptx
+++ b/ppt/MILP.pptx
@@ -126,12 +126,12 @@
   <p:extLst>
     <p:ext uri="{521415D9-36F7-43E2-AB2F-B90AF26B5E84}">
       <p14:sectionLst xmlns:p14="http://schemas.microsoft.com/office/powerpoint/2010/main">
-        <p14:section name="默认节" id="{EA904F4C-7F45-4D80-9071-3ED007CEC816}">
+        <p14:section name="默认节" id="{ea904f4c-7f45-4d80-9071-3ed007cec816}">
           <p14:sldIdLst>
             <p14:sldId id="422"/>
           </p14:sldIdLst>
         </p14:section>
-        <p14:section name="无标题节" id="{A76ACA00-FA9A-42DA-826C-D332F048F483}">
+        <p14:section name="无标题节" id="{a76aca00-fa9a-42da-826c-d332f048f483}">
           <p14:sldIdLst>
             <p14:sldId id="438"/>
             <p14:sldId id="410"/>
@@ -140,7 +140,7 @@
             <p14:sldId id="419"/>
           </p14:sldIdLst>
         </p14:section>
-        <p14:section name="无标题节" id="{C91CD970-B489-47AF-BC73-40A1C477DEE6}">
+        <p14:section name="无标题节" id="{c91cd970-b489-47af-bc73-40a1c477dee6}">
           <p14:sldIdLst>
             <p14:sldId id="411"/>
             <p14:sldId id="414"/>
@@ -149,7 +149,7 @@
             <p14:sldId id="435"/>
           </p14:sldIdLst>
         </p14:section>
-        <p14:section name="无标题节" id="{CEB29E79-7407-4581-A9DC-57DF63C5B763}">
+        <p14:section name="无标题节" id="{ceb29e79-7407-4581-a9dc-57df63c5b763}">
           <p14:sldIdLst>
             <p14:sldId id="412"/>
             <p14:sldId id="432"/>
@@ -309,39 +309,39 @@
           <a:p>
             <a:pPr lvl="0"/>
             <a:r>
-              <a:rPr lang="zh-CN" altLang="en-US"/>
+              <a:rPr lang="zh-CN" altLang="en-US" smtClean="0"/>
               <a:t>单击此处编辑母版文本样式</a:t>
             </a:r>
-            <a:endParaRPr lang="zh-CN" altLang="en-US"/>
+            <a:endParaRPr lang="zh-CN" altLang="en-US" smtClean="0"/>
           </a:p>
           <a:p>
             <a:pPr lvl="1"/>
             <a:r>
-              <a:rPr lang="zh-CN" altLang="en-US"/>
+              <a:rPr lang="zh-CN" altLang="en-US" smtClean="0"/>
               <a:t>第二级</a:t>
             </a:r>
-            <a:endParaRPr lang="zh-CN" altLang="en-US"/>
+            <a:endParaRPr lang="zh-CN" altLang="en-US" smtClean="0"/>
           </a:p>
           <a:p>
             <a:pPr lvl="2"/>
             <a:r>
-              <a:rPr lang="zh-CN" altLang="en-US"/>
+              <a:rPr lang="zh-CN" altLang="en-US" smtClean="0"/>
               <a:t>第三级</a:t>
             </a:r>
-            <a:endParaRPr lang="zh-CN" altLang="en-US"/>
+            <a:endParaRPr lang="zh-CN" altLang="en-US" smtClean="0"/>
           </a:p>
           <a:p>
             <a:pPr lvl="3"/>
             <a:r>
-              <a:rPr lang="zh-CN" altLang="en-US"/>
+              <a:rPr lang="zh-CN" altLang="en-US" smtClean="0"/>
               <a:t>第四级</a:t>
             </a:r>
-            <a:endParaRPr lang="zh-CN" altLang="en-US"/>
+            <a:endParaRPr lang="zh-CN" altLang="en-US" smtClean="0"/>
           </a:p>
           <a:p>
             <a:pPr lvl="4"/>
             <a:r>
-              <a:rPr lang="zh-CN" altLang="en-US"/>
+              <a:rPr lang="zh-CN" altLang="en-US" smtClean="0"/>
               <a:t>第五级</a:t>
             </a:r>
             <a:endParaRPr lang="zh-CN" altLang="en-US"/>
@@ -520,14 +520,7 @@
         <p:cNvGrpSpPr/>
         <p:nvPr/>
       </p:nvGrpSpPr>
-      <p:grpSpPr>
-        <a:xfrm>
-          <a:off x="0" y="0"/>
-          <a:ext cx="0" cy="0"/>
-          <a:chOff x="0" y="0"/>
-          <a:chExt cx="0" cy="0"/>
-        </a:xfrm>
-      </p:grpSpPr>
+      <p:grpSpPr/>
       <p:sp>
         <p:nvSpPr>
           <p:cNvPr id="5121" name="幻灯片图像占位符 1"/>
@@ -565,7 +558,6 @@
         </p:spPr>
         <p:txBody>
           <a:bodyPr wrap="square" lIns="91440" tIns="45720" rIns="91440" bIns="45720" anchor="t"/>
-          <a:lstStyle/>
           <a:p>
             <a:pPr lvl="0"/>
             <a:endParaRPr lang="zh-CN" altLang="en-US" dirty="0"/>
@@ -597,7 +589,6 @@
         </p:spPr>
         <p:txBody>
           <a:bodyPr vert="horz" wrap="square" lIns="91440" tIns="45720" rIns="91440" bIns="45720" anchor="b"/>
-          <a:lstStyle/>
           <a:p>
             <a:pPr lvl="0" algn="r" eaLnBrk="1" hangingPunct="1"/>
             <a:fld id="{9A0DB2DC-4C9A-4742-B13C-FB6460FD3503}" type="slidenum">
@@ -624,20 +615,11 @@
         <p:cNvGrpSpPr/>
         <p:nvPr/>
       </p:nvGrpSpPr>
-      <p:grpSpPr>
-        <a:xfrm>
-          <a:off x="0" y="0"/>
-          <a:ext cx="0" cy="0"/>
-          <a:chOff x="0" y="0"/>
-          <a:chExt cx="0" cy="0"/>
-        </a:xfrm>
-      </p:grpSpPr>
+      <p:grpSpPr/>
       <p:sp>
         <p:nvSpPr>
           <p:cNvPr id="2" name="幻灯片图像占位符 1"/>
-          <p:cNvSpPr>
-            <a:spLocks noGrp="1" noRot="1" noChangeAspect="1"/>
-          </p:cNvSpPr>
+          <p:cNvSpPr/>
           <p:nvPr>
             <p:ph type="sldImg" idx="2"/>
           </p:nvPr>
@@ -647,9 +629,7 @@
       <p:sp>
         <p:nvSpPr>
           <p:cNvPr id="3" name="文本占位符 2"/>
-          <p:cNvSpPr>
-            <a:spLocks noGrp="1"/>
-          </p:cNvSpPr>
+          <p:cNvSpPr/>
           <p:nvPr>
             <p:ph type="body" idx="3"/>
           </p:nvPr>
@@ -657,7 +637,6 @@
         <p:spPr/>
         <p:txBody>
           <a:bodyPr/>
-          <a:lstStyle/>
           <a:p>
             <a:r>
               <a:rPr lang="zh-CN" altLang="en-US">
@@ -688,20 +667,11 @@
         <p:cNvGrpSpPr/>
         <p:nvPr/>
       </p:nvGrpSpPr>
-      <p:grpSpPr>
-        <a:xfrm>
-          <a:off x="0" y="0"/>
-          <a:ext cx="0" cy="0"/>
-          <a:chOff x="0" y="0"/>
-          <a:chExt cx="0" cy="0"/>
-        </a:xfrm>
-      </p:grpSpPr>
+      <p:grpSpPr/>
       <p:sp>
         <p:nvSpPr>
           <p:cNvPr id="2" name="幻灯片图像占位符 1"/>
-          <p:cNvSpPr>
-            <a:spLocks noGrp="1" noRot="1" noChangeAspect="1"/>
-          </p:cNvSpPr>
+          <p:cNvSpPr/>
           <p:nvPr>
             <p:ph type="sldImg" idx="2"/>
           </p:nvPr>
@@ -711,9 +681,7 @@
       <p:sp>
         <p:nvSpPr>
           <p:cNvPr id="3" name="文本占位符 2"/>
-          <p:cNvSpPr>
-            <a:spLocks noGrp="1"/>
-          </p:cNvSpPr>
+          <p:cNvSpPr/>
           <p:nvPr>
             <p:ph type="body" idx="3"/>
           </p:nvPr>
@@ -721,7 +689,6 @@
         <p:spPr/>
         <p:txBody>
           <a:bodyPr/>
-          <a:lstStyle/>
           <a:p>
             <a:endParaRPr lang="zh-CN" altLang="en-US"/>
           </a:p>
@@ -744,20 +711,11 @@
         <p:cNvGrpSpPr/>
         <p:nvPr/>
       </p:nvGrpSpPr>
-      <p:grpSpPr>
-        <a:xfrm>
-          <a:off x="0" y="0"/>
-          <a:ext cx="0" cy="0"/>
-          <a:chOff x="0" y="0"/>
-          <a:chExt cx="0" cy="0"/>
-        </a:xfrm>
-      </p:grpSpPr>
+      <p:grpSpPr/>
       <p:sp>
         <p:nvSpPr>
           <p:cNvPr id="2" name="幻灯片图像占位符 1"/>
-          <p:cNvSpPr>
-            <a:spLocks noGrp="1" noRot="1" noChangeAspect="1"/>
-          </p:cNvSpPr>
+          <p:cNvSpPr/>
           <p:nvPr>
             <p:ph type="sldImg" idx="2"/>
           </p:nvPr>
@@ -767,9 +725,7 @@
       <p:sp>
         <p:nvSpPr>
           <p:cNvPr id="3" name="文本占位符 2"/>
-          <p:cNvSpPr>
-            <a:spLocks noGrp="1"/>
-          </p:cNvSpPr>
+          <p:cNvSpPr/>
           <p:nvPr>
             <p:ph type="body" idx="3"/>
           </p:nvPr>
@@ -777,7 +733,6 @@
         <p:spPr/>
         <p:txBody>
           <a:bodyPr/>
-          <a:lstStyle/>
           <a:p>
             <a:r>
               <a:rPr lang="zh-CN" altLang="en-US"/>
@@ -827,7 +782,11 @@
             </a:r>
             <a:r>
               <a:rPr lang="zh-CN" altLang="en-US"/>
-              <a:t>盒的凸包中已经筛选出了正确的不等式集合，</a:t>
+              <a:t>盒的凸包中已经筛选出了</a:t>
+            </a:r>
+            <a:r>
+              <a:rPr lang="zh-CN" altLang="en-US"/>
+              <a:t>正确的不等式集合，</a:t>
             </a:r>
             <a:r>
               <a:rPr lang="en-US" altLang="zh-CN"/>
@@ -1224,20 +1183,11 @@
         <p:cNvGrpSpPr/>
         <p:nvPr/>
       </p:nvGrpSpPr>
-      <p:grpSpPr>
-        <a:xfrm>
-          <a:off x="0" y="0"/>
-          <a:ext cx="0" cy="0"/>
-          <a:chOff x="0" y="0"/>
-          <a:chExt cx="0" cy="0"/>
-        </a:xfrm>
-      </p:grpSpPr>
+      <p:grpSpPr/>
       <p:sp>
         <p:nvSpPr>
           <p:cNvPr id="2" name="幻灯片图像占位符 1"/>
-          <p:cNvSpPr>
-            <a:spLocks noGrp="1" noRot="1" noChangeAspect="1"/>
-          </p:cNvSpPr>
+          <p:cNvSpPr/>
           <p:nvPr>
             <p:ph type="sldImg" idx="2"/>
           </p:nvPr>
@@ -1247,9 +1197,7 @@
       <p:sp>
         <p:nvSpPr>
           <p:cNvPr id="3" name="文本占位符 2"/>
-          <p:cNvSpPr>
-            <a:spLocks noGrp="1"/>
-          </p:cNvSpPr>
+          <p:cNvSpPr/>
           <p:nvPr>
             <p:ph type="body" idx="3"/>
           </p:nvPr>
@@ -1257,7 +1205,6 @@
         <p:spPr/>
         <p:txBody>
           <a:bodyPr/>
-          <a:lstStyle/>
           <a:p>
             <a:endParaRPr lang="zh-CN" altLang="en-US"/>
           </a:p>
@@ -1280,20 +1227,11 @@
         <p:cNvGrpSpPr/>
         <p:nvPr/>
       </p:nvGrpSpPr>
-      <p:grpSpPr>
-        <a:xfrm>
-          <a:off x="0" y="0"/>
-          <a:ext cx="0" cy="0"/>
-          <a:chOff x="0" y="0"/>
-          <a:chExt cx="0" cy="0"/>
-        </a:xfrm>
-      </p:grpSpPr>
+      <p:grpSpPr/>
       <p:sp>
         <p:nvSpPr>
           <p:cNvPr id="2" name="幻灯片图像占位符 1"/>
-          <p:cNvSpPr>
-            <a:spLocks noGrp="1" noRot="1" noChangeAspect="1"/>
-          </p:cNvSpPr>
+          <p:cNvSpPr/>
           <p:nvPr>
             <p:ph type="sldImg" idx="2"/>
           </p:nvPr>
@@ -1303,9 +1241,7 @@
       <p:sp>
         <p:nvSpPr>
           <p:cNvPr id="3" name="文本占位符 2"/>
-          <p:cNvSpPr>
-            <a:spLocks noGrp="1"/>
-          </p:cNvSpPr>
+          <p:cNvSpPr/>
           <p:nvPr>
             <p:ph type="body" idx="3"/>
           </p:nvPr>
@@ -1313,7 +1249,6 @@
         <p:spPr/>
         <p:txBody>
           <a:bodyPr/>
-          <a:lstStyle/>
           <a:p>
             <a:endParaRPr lang="zh-CN" altLang="en-US"/>
           </a:p>
@@ -2132,7 +2067,6 @@
         <p:spPr/>
         <p:txBody>
           <a:bodyPr/>
-          <a:lstStyle/>
           <a:p>
             <a:pPr marL="0" marR="0" lvl="0" indent="0" algn="l" defTabSz="914400" rtl="0" eaLnBrk="1" fontAlgn="base" latinLnBrk="0" hangingPunct="1">
               <a:lnSpc>
@@ -2180,7 +2114,6 @@
         <p:spPr/>
         <p:txBody>
           <a:bodyPr/>
-          <a:lstStyle/>
           <a:p>
             <a:pPr marL="0" marR="0" lvl="0" indent="0" algn="ctr" defTabSz="914400" rtl="0" eaLnBrk="1" fontAlgn="base" latinLnBrk="0" hangingPunct="1">
               <a:lnSpc>
@@ -2228,7 +2161,6 @@
         <p:spPr/>
         <p:txBody>
           <a:bodyPr/>
-          <a:lstStyle/>
           <a:p>
             <a:pPr marL="0" marR="0" lvl="0" indent="0" algn="r" defTabSz="914400" rtl="0" eaLnBrk="1" fontAlgn="base" latinLnBrk="0" hangingPunct="1">
               <a:lnSpc>
@@ -2397,7 +2329,6 @@
         <p:spPr/>
         <p:txBody>
           <a:bodyPr/>
-          <a:lstStyle/>
           <a:p>
             <a:pPr marL="0" marR="0" lvl="0" indent="0" algn="l" defTabSz="914400" rtl="0" eaLnBrk="1" fontAlgn="base" latinLnBrk="0" hangingPunct="1">
               <a:lnSpc>
@@ -2445,7 +2376,6 @@
         <p:spPr/>
         <p:txBody>
           <a:bodyPr/>
-          <a:lstStyle/>
           <a:p>
             <a:pPr marL="0" marR="0" lvl="0" indent="0" algn="ctr" defTabSz="914400" rtl="0" eaLnBrk="1" fontAlgn="base" latinLnBrk="0" hangingPunct="1">
               <a:lnSpc>
@@ -2493,7 +2423,6 @@
         <p:spPr/>
         <p:txBody>
           <a:bodyPr/>
-          <a:lstStyle/>
           <a:p>
             <a:pPr marL="0" marR="0" lvl="0" indent="0" algn="r" defTabSz="914400" rtl="0" eaLnBrk="1" fontAlgn="base" latinLnBrk="0" hangingPunct="1">
               <a:lnSpc>
@@ -2681,7 +2610,6 @@
         <p:spPr/>
         <p:txBody>
           <a:bodyPr/>
-          <a:lstStyle/>
           <a:p>
             <a:pPr marL="0" marR="0" lvl="0" indent="0" algn="l" defTabSz="914400" rtl="0" eaLnBrk="1" fontAlgn="base" latinLnBrk="0" hangingPunct="1">
               <a:lnSpc>
@@ -2729,7 +2657,6 @@
         <p:spPr/>
         <p:txBody>
           <a:bodyPr/>
-          <a:lstStyle/>
           <a:p>
             <a:pPr marL="0" marR="0" lvl="0" indent="0" algn="ctr" defTabSz="914400" rtl="0" eaLnBrk="1" fontAlgn="base" latinLnBrk="0" hangingPunct="1">
               <a:lnSpc>
@@ -2777,7 +2704,6 @@
         <p:spPr/>
         <p:txBody>
           <a:bodyPr/>
-          <a:lstStyle/>
           <a:p>
             <a:pPr marL="0" marR="0" lvl="0" indent="0" algn="r" defTabSz="914400" rtl="0" eaLnBrk="1" fontAlgn="base" latinLnBrk="0" hangingPunct="1">
               <a:lnSpc>
@@ -3012,7 +2938,6 @@
         <p:spPr/>
         <p:txBody>
           <a:bodyPr/>
-          <a:lstStyle/>
           <a:p>
             <a:pPr marL="0" marR="0" lvl="0" indent="0" algn="l" defTabSz="914400" rtl="0" eaLnBrk="1" fontAlgn="base" latinLnBrk="0" hangingPunct="1">
               <a:lnSpc>
@@ -3060,7 +2985,6 @@
         <p:spPr/>
         <p:txBody>
           <a:bodyPr/>
-          <a:lstStyle/>
           <a:p>
             <a:pPr marL="0" marR="0" lvl="0" indent="0" algn="ctr" defTabSz="914400" rtl="0" eaLnBrk="1" fontAlgn="base" latinLnBrk="0" hangingPunct="1">
               <a:lnSpc>
@@ -3108,7 +3032,6 @@
         <p:spPr/>
         <p:txBody>
           <a:bodyPr/>
-          <a:lstStyle/>
           <a:p>
             <a:pPr marL="0" marR="0" lvl="0" indent="0" algn="r" defTabSz="914400" rtl="0" eaLnBrk="1" fontAlgn="base" latinLnBrk="0" hangingPunct="1">
               <a:lnSpc>
@@ -3480,7 +3403,6 @@
         <p:spPr/>
         <p:txBody>
           <a:bodyPr/>
-          <a:lstStyle/>
           <a:p>
             <a:pPr marL="0" marR="0" lvl="0" indent="0" algn="l" defTabSz="914400" rtl="0" eaLnBrk="1" fontAlgn="base" latinLnBrk="0" hangingPunct="1">
               <a:lnSpc>
@@ -3528,7 +3450,6 @@
         <p:spPr/>
         <p:txBody>
           <a:bodyPr/>
-          <a:lstStyle/>
           <a:p>
             <a:pPr marL="0" marR="0" lvl="0" indent="0" algn="ctr" defTabSz="914400" rtl="0" eaLnBrk="1" fontAlgn="base" latinLnBrk="0" hangingPunct="1">
               <a:lnSpc>
@@ -3576,7 +3497,6 @@
         <p:spPr/>
         <p:txBody>
           <a:bodyPr/>
-          <a:lstStyle/>
           <a:p>
             <a:pPr marL="0" marR="0" lvl="0" indent="0" algn="r" defTabSz="914400" rtl="0" eaLnBrk="1" fontAlgn="base" latinLnBrk="0" hangingPunct="1">
               <a:lnSpc>
@@ -3689,7 +3609,6 @@
         <p:spPr/>
         <p:txBody>
           <a:bodyPr/>
-          <a:lstStyle/>
           <a:p>
             <a:pPr marL="0" marR="0" lvl="0" indent="0" algn="l" defTabSz="914400" rtl="0" eaLnBrk="1" fontAlgn="base" latinLnBrk="0" hangingPunct="1">
               <a:lnSpc>
@@ -3737,7 +3656,6 @@
         <p:spPr/>
         <p:txBody>
           <a:bodyPr/>
-          <a:lstStyle/>
           <a:p>
             <a:pPr marL="0" marR="0" lvl="0" indent="0" algn="ctr" defTabSz="914400" rtl="0" eaLnBrk="1" fontAlgn="base" latinLnBrk="0" hangingPunct="1">
               <a:lnSpc>
@@ -3785,7 +3703,6 @@
         <p:spPr/>
         <p:txBody>
           <a:bodyPr/>
-          <a:lstStyle/>
           <a:p>
             <a:pPr marL="0" marR="0" lvl="0" indent="0" algn="r" defTabSz="914400" rtl="0" eaLnBrk="1" fontAlgn="base" latinLnBrk="0" hangingPunct="1">
               <a:lnSpc>
@@ -3874,7 +3791,6 @@
         <p:spPr/>
         <p:txBody>
           <a:bodyPr/>
-          <a:lstStyle/>
           <a:p>
             <a:pPr marL="0" marR="0" lvl="0" indent="0" algn="l" defTabSz="914400" rtl="0" eaLnBrk="1" fontAlgn="base" latinLnBrk="0" hangingPunct="1">
               <a:lnSpc>
@@ -3922,7 +3838,6 @@
         <p:spPr/>
         <p:txBody>
           <a:bodyPr/>
-          <a:lstStyle/>
           <a:p>
             <a:pPr marL="0" marR="0" lvl="0" indent="0" algn="ctr" defTabSz="914400" rtl="0" eaLnBrk="1" fontAlgn="base" latinLnBrk="0" hangingPunct="1">
               <a:lnSpc>
@@ -3970,7 +3885,6 @@
         <p:spPr/>
         <p:txBody>
           <a:bodyPr/>
-          <a:lstStyle/>
           <a:p>
             <a:pPr marL="0" marR="0" lvl="0" indent="0" algn="r" defTabSz="914400" rtl="0" eaLnBrk="1" fontAlgn="base" latinLnBrk="0" hangingPunct="1">
               <a:lnSpc>
@@ -4247,7 +4161,6 @@
         <p:spPr/>
         <p:txBody>
           <a:bodyPr/>
-          <a:lstStyle/>
           <a:p>
             <a:pPr marL="0" marR="0" lvl="0" indent="0" algn="l" defTabSz="914400" rtl="0" eaLnBrk="1" fontAlgn="base" latinLnBrk="0" hangingPunct="1">
               <a:lnSpc>
@@ -4295,7 +4208,6 @@
         <p:spPr/>
         <p:txBody>
           <a:bodyPr/>
-          <a:lstStyle/>
           <a:p>
             <a:pPr marL="0" marR="0" lvl="0" indent="0" algn="ctr" defTabSz="914400" rtl="0" eaLnBrk="1" fontAlgn="base" latinLnBrk="0" hangingPunct="1">
               <a:lnSpc>
@@ -4343,7 +4255,6 @@
         <p:spPr/>
         <p:txBody>
           <a:bodyPr/>
-          <a:lstStyle/>
           <a:p>
             <a:pPr marL="0" marR="0" lvl="0" indent="0" algn="r" defTabSz="914400" rtl="0" eaLnBrk="1" fontAlgn="base" latinLnBrk="0" hangingPunct="1">
               <a:lnSpc>
@@ -4996,7 +4907,6 @@
         <p:spPr/>
         <p:txBody>
           <a:bodyPr/>
-          <a:lstStyle/>
           <a:p>
             <a:pPr marL="0" marR="0" lvl="0" indent="0" algn="l" defTabSz="914400" rtl="0" eaLnBrk="1" fontAlgn="base" latinLnBrk="0" hangingPunct="1">
               <a:lnSpc>
@@ -5044,7 +4954,6 @@
         <p:spPr/>
         <p:txBody>
           <a:bodyPr/>
-          <a:lstStyle/>
           <a:p>
             <a:pPr marL="0" marR="0" lvl="0" indent="0" algn="ctr" defTabSz="914400" rtl="0" eaLnBrk="1" fontAlgn="base" latinLnBrk="0" hangingPunct="1">
               <a:lnSpc>
@@ -5092,7 +5001,6 @@
         <p:spPr/>
         <p:txBody>
           <a:bodyPr/>
-          <a:lstStyle/>
           <a:p>
             <a:pPr marL="0" marR="0" lvl="0" indent="0" algn="r" defTabSz="914400" rtl="0" eaLnBrk="1" fontAlgn="base" latinLnBrk="0" hangingPunct="1">
               <a:lnSpc>
@@ -5261,7 +5169,6 @@
         <p:spPr/>
         <p:txBody>
           <a:bodyPr/>
-          <a:lstStyle/>
           <a:p>
             <a:pPr marL="0" marR="0" lvl="0" indent="0" algn="l" defTabSz="914400" rtl="0" eaLnBrk="1" fontAlgn="base" latinLnBrk="0" hangingPunct="1">
               <a:lnSpc>
@@ -5309,7 +5216,6 @@
         <p:spPr/>
         <p:txBody>
           <a:bodyPr/>
-          <a:lstStyle/>
           <a:p>
             <a:pPr marL="0" marR="0" lvl="0" indent="0" algn="ctr" defTabSz="914400" rtl="0" eaLnBrk="1" fontAlgn="base" latinLnBrk="0" hangingPunct="1">
               <a:lnSpc>
@@ -5357,7 +5263,6 @@
         <p:spPr/>
         <p:txBody>
           <a:bodyPr/>
-          <a:lstStyle/>
           <a:p>
             <a:pPr marL="0" marR="0" lvl="0" indent="0" algn="r" defTabSz="914400" rtl="0" eaLnBrk="1" fontAlgn="base" latinLnBrk="0" hangingPunct="1">
               <a:lnSpc>
@@ -5536,7 +5441,6 @@
         <p:spPr/>
         <p:txBody>
           <a:bodyPr/>
-          <a:lstStyle/>
           <a:p>
             <a:pPr marL="0" marR="0" lvl="0" indent="0" algn="l" defTabSz="914400" rtl="0" eaLnBrk="1" fontAlgn="base" latinLnBrk="0" hangingPunct="1">
               <a:lnSpc>
@@ -5584,7 +5488,6 @@
         <p:spPr/>
         <p:txBody>
           <a:bodyPr/>
-          <a:lstStyle/>
           <a:p>
             <a:pPr marL="0" marR="0" lvl="0" indent="0" algn="ctr" defTabSz="914400" rtl="0" eaLnBrk="1" fontAlgn="base" latinLnBrk="0" hangingPunct="1">
               <a:lnSpc>
@@ -5632,7 +5535,6 @@
         <p:spPr/>
         <p:txBody>
           <a:bodyPr/>
-          <a:lstStyle/>
           <a:p>
             <a:pPr marL="0" marR="0" lvl="0" indent="0" algn="r" defTabSz="914400" rtl="0" eaLnBrk="1" fontAlgn="base" latinLnBrk="0" hangingPunct="1">
               <a:lnSpc>
@@ -8909,14 +8811,7 @@
         <p:cNvGrpSpPr/>
         <p:nvPr/>
       </p:nvGrpSpPr>
-      <p:grpSpPr>
-        <a:xfrm>
-          <a:off x="0" y="0"/>
-          <a:ext cx="0" cy="0"/>
-          <a:chOff x="0" y="0"/>
-          <a:chExt cx="0" cy="0"/>
-        </a:xfrm>
-      </p:grpSpPr>
+      <p:grpSpPr/>
       <p:sp>
         <p:nvSpPr>
           <p:cNvPr id="1026" name="Rectangle 2"/>
@@ -8942,7 +8837,6 @@
         </p:spPr>
         <p:txBody>
           <a:bodyPr anchor="ctr"/>
-          <a:lstStyle/>
           <a:p>
             <a:pPr lvl="0"/>
             <a:r>
@@ -8978,7 +8872,6 @@
         </p:spPr>
         <p:txBody>
           <a:bodyPr anchor="t"/>
-          <a:lstStyle/>
           <a:p>
             <a:pPr lvl="0"/>
             <a:r>
@@ -9671,14 +9564,7 @@
         <p:cNvGrpSpPr/>
         <p:nvPr/>
       </p:nvGrpSpPr>
-      <p:grpSpPr>
-        <a:xfrm>
-          <a:off x="0" y="0"/>
-          <a:ext cx="0" cy="0"/>
-          <a:chOff x="0" y="0"/>
-          <a:chExt cx="0" cy="0"/>
-        </a:xfrm>
-      </p:grpSpPr>
+      <p:grpSpPr/>
       <p:sp>
         <p:nvSpPr>
           <p:cNvPr id="4101" name="灯片编号占位符 1"/>
@@ -9805,9 +9691,7 @@
       <p:sp>
         <p:nvSpPr>
           <p:cNvPr id="2" name="标题 1"/>
-          <p:cNvSpPr>
-            <a:spLocks noGrp="1"/>
-          </p:cNvSpPr>
+          <p:cNvSpPr/>
           <p:nvPr>
             <p:ph type="ctrTitle"/>
           </p:nvPr>
@@ -9820,7 +9704,6 @@
         </p:spPr>
         <p:txBody>
           <a:bodyPr/>
-          <a:lstStyle/>
           <a:p>
             <a:r>
               <a:rPr lang="zh-CN" altLang="zh-CN" sz="3600">
@@ -9893,14 +9776,7 @@
         <p:cNvGrpSpPr/>
         <p:nvPr/>
       </p:nvGrpSpPr>
-      <p:grpSpPr>
-        <a:xfrm>
-          <a:off x="0" y="0"/>
-          <a:ext cx="0" cy="0"/>
-          <a:chOff x="0" y="0"/>
-          <a:chExt cx="0" cy="0"/>
-        </a:xfrm>
-      </p:grpSpPr>
+      <p:grpSpPr/>
       <p:sp>
         <p:nvSpPr>
           <p:cNvPr id="4" name="标题 3"/>
@@ -9974,7 +9850,6 @@
           <a:bodyPr wrap="square" rtlCol="0">
             <a:spAutoFit/>
           </a:bodyPr>
-          <a:lstStyle/>
           <a:p>
             <a:r>
               <a:rPr lang="en-US" altLang="zh-CN" sz="2000">
@@ -10046,7 +9921,6 @@
           <a:bodyPr wrap="square">
             <a:spAutoFit/>
           </a:bodyPr>
-          <a:lstStyle/>
           <a:p>
             <a:pPr indent="0"/>
             <a:r>
@@ -10058,491 +9932,29 @@
                 <a:ea typeface="宋体" panose="02010600030101010101" pitchFamily="2" charset="-122"/>
                 <a:cs typeface="Times New Roman" panose="02020603050405020304" charset="0"/>
               </a:rPr>
-              <a:t> (</a:t>
-            </a:r>
-            <a:endParaRPr lang="en-US" sz="1200" b="1">
-              <a:solidFill>
-                <a:schemeClr val="tx1"/>
-              </a:solidFill>
-              <a:latin typeface="Calibri" panose="020F0502020204030204" charset="0"/>
-              <a:ea typeface="宋体" panose="02010600030101010101" pitchFamily="2" charset="-122"/>
-              <a:cs typeface="Times New Roman" panose="02020603050405020304" charset="0"/>
-            </a:endParaRPr>
-          </a:p>
-          <a:p>
-            <a:pPr indent="0"/>
-            <a:r>
-              <a:rPr lang="en-US" sz="1200" b="1">
-                <a:solidFill>
-                  <a:schemeClr val="tx1"/>
-                </a:solidFill>
-                <a:latin typeface="Calibri" panose="020F0502020204030204" charset="0"/>
-                <a:ea typeface="宋体" panose="02010600030101010101" pitchFamily="2" charset="-122"/>
-                <a:cs typeface="Times New Roman" panose="02020603050405020304" charset="0"/>
-              </a:rPr>
-              <a:t> 3, 1,-1,-1, 2, 3, 1,-1, 0,</a:t>
-            </a:r>
-            <a:endParaRPr lang="en-US" sz="1200" b="1">
-              <a:solidFill>
-                <a:schemeClr val="tx1"/>
-              </a:solidFill>
-              <a:latin typeface="Calibri" panose="020F0502020204030204" charset="0"/>
-              <a:ea typeface="宋体" panose="02010600030101010101" pitchFamily="2" charset="-122"/>
-              <a:cs typeface="Times New Roman" panose="02020603050405020304" charset="0"/>
-            </a:endParaRPr>
-          </a:p>
-          <a:p>
-            <a:pPr indent="0"/>
-            <a:r>
-              <a:rPr lang="en-US" sz="1200" b="1">
-                <a:solidFill>
-                  <a:schemeClr val="tx1"/>
-                </a:solidFill>
-                <a:latin typeface="Calibri" panose="020F0502020204030204" charset="0"/>
-                <a:ea typeface="宋体" panose="02010600030101010101" pitchFamily="2" charset="-122"/>
-                <a:cs typeface="Times New Roman" panose="02020603050405020304" charset="0"/>
-              </a:rPr>
-              <a:t>-3,-2,-1, 2, 1,-1,-2,-1, 7,</a:t>
-            </a:r>
-            <a:endParaRPr lang="en-US" sz="1200" b="1">
-              <a:solidFill>
-                <a:schemeClr val="tx1"/>
-              </a:solidFill>
-              <a:latin typeface="Calibri" panose="020F0502020204030204" charset="0"/>
-              <a:ea typeface="宋体" panose="02010600030101010101" pitchFamily="2" charset="-122"/>
-              <a:cs typeface="Times New Roman" panose="02020603050405020304" charset="0"/>
-            </a:endParaRPr>
-          </a:p>
-          <a:p>
-            <a:pPr indent="0"/>
-            <a:r>
-              <a:rPr lang="en-US" sz="1200" b="1">
-                <a:solidFill>
-                  <a:schemeClr val="tx1"/>
-                </a:solidFill>
-                <a:latin typeface="Calibri" panose="020F0502020204030204" charset="0"/>
-                <a:ea typeface="宋体" panose="02010600030101010101" pitchFamily="2" charset="-122"/>
-                <a:cs typeface="Times New Roman" panose="02020603050405020304" charset="0"/>
-              </a:rPr>
-              <a:t>-1,-1, 2,-1,-2, 2, 2,-1, 4,</a:t>
-            </a:r>
-            <a:endParaRPr lang="en-US" sz="1200" b="1">
-              <a:solidFill>
-                <a:schemeClr val="tx1"/>
-              </a:solidFill>
-              <a:latin typeface="Calibri" panose="020F0502020204030204" charset="0"/>
-              <a:ea typeface="宋体" panose="02010600030101010101" pitchFamily="2" charset="-122"/>
-              <a:cs typeface="Times New Roman" panose="02020603050405020304" charset="0"/>
-            </a:endParaRPr>
-          </a:p>
-          <a:p>
-            <a:pPr indent="0"/>
-            <a:r>
-              <a:rPr lang="en-US" sz="1200" b="1">
-                <a:solidFill>
-                  <a:schemeClr val="tx1"/>
-                </a:solidFill>
-                <a:latin typeface="Calibri" panose="020F0502020204030204" charset="0"/>
-                <a:ea typeface="宋体" panose="02010600030101010101" pitchFamily="2" charset="-122"/>
-                <a:cs typeface="Times New Roman" panose="02020603050405020304" charset="0"/>
-              </a:rPr>
-              <a:t>-1, 2, 0, 0, 2,-1, 2, 1, 0,</a:t>
-            </a:r>
-            <a:endParaRPr lang="en-US" sz="1200" b="1">
-              <a:solidFill>
-                <a:schemeClr val="tx1"/>
-              </a:solidFill>
-              <a:latin typeface="Calibri" panose="020F0502020204030204" charset="0"/>
-              <a:ea typeface="宋体" panose="02010600030101010101" pitchFamily="2" charset="-122"/>
-              <a:cs typeface="Times New Roman" panose="02020603050405020304" charset="0"/>
-            </a:endParaRPr>
-          </a:p>
-          <a:p>
-            <a:pPr indent="0"/>
-            <a:r>
-              <a:rPr lang="en-US" sz="1200" b="1">
-                <a:solidFill>
-                  <a:schemeClr val="tx1"/>
-                </a:solidFill>
-                <a:latin typeface="Calibri" panose="020F0502020204030204" charset="0"/>
-                <a:ea typeface="宋体" panose="02010600030101010101" pitchFamily="2" charset="-122"/>
-                <a:cs typeface="Times New Roman" panose="02020603050405020304" charset="0"/>
-              </a:rPr>
-              <a:t> 2, 3, 3, 2,-1,-1, 1,-1, 0,</a:t>
-            </a:r>
-            <a:endParaRPr lang="en-US" sz="1200" b="1">
-              <a:solidFill>
-                <a:schemeClr val="tx1"/>
-              </a:solidFill>
-              <a:latin typeface="Calibri" panose="020F0502020204030204" charset="0"/>
-              <a:ea typeface="宋体" panose="02010600030101010101" pitchFamily="2" charset="-122"/>
-              <a:cs typeface="Times New Roman" panose="02020603050405020304" charset="0"/>
-            </a:endParaRPr>
-          </a:p>
-          <a:p>
-            <a:pPr indent="0"/>
-            <a:r>
-              <a:rPr lang="en-US" sz="1200" b="1">
-                <a:solidFill>
-                  <a:schemeClr val="tx1"/>
-                </a:solidFill>
-                <a:latin typeface="Calibri" panose="020F0502020204030204" charset="0"/>
-                <a:ea typeface="宋体" panose="02010600030101010101" pitchFamily="2" charset="-122"/>
-                <a:cs typeface="Times New Roman" panose="02020603050405020304" charset="0"/>
-              </a:rPr>
-              <a:t>-1, 1, 0,-1,-1, 0,-1,-1, 4,</a:t>
-            </a:r>
-            <a:endParaRPr lang="en-US" sz="1200" b="1">
-              <a:solidFill>
-                <a:schemeClr val="tx1"/>
-              </a:solidFill>
-              <a:latin typeface="Calibri" panose="020F0502020204030204" charset="0"/>
-              <a:ea typeface="宋体" panose="02010600030101010101" pitchFamily="2" charset="-122"/>
-              <a:cs typeface="Times New Roman" panose="02020603050405020304" charset="0"/>
-            </a:endParaRPr>
-          </a:p>
-          <a:p>
-            <a:pPr indent="0"/>
-            <a:r>
-              <a:rPr lang="en-US" sz="1200" b="1">
-                <a:solidFill>
-                  <a:schemeClr val="tx1"/>
-                </a:solidFill>
-                <a:latin typeface="Calibri" panose="020F0502020204030204" charset="0"/>
-                <a:ea typeface="宋体" panose="02010600030101010101" pitchFamily="2" charset="-122"/>
-                <a:cs typeface="Times New Roman" panose="02020603050405020304" charset="0"/>
-              </a:rPr>
-              <a:t>-1,-1,-2,-2,-1,-2, 2,-1, 8,</a:t>
-            </a:r>
-            <a:endParaRPr lang="en-US" sz="1200" b="1">
-              <a:solidFill>
-                <a:schemeClr val="tx1"/>
-              </a:solidFill>
-              <a:latin typeface="Calibri" panose="020F0502020204030204" charset="0"/>
-              <a:ea typeface="宋体" panose="02010600030101010101" pitchFamily="2" charset="-122"/>
-              <a:cs typeface="Times New Roman" panose="02020603050405020304" charset="0"/>
-            </a:endParaRPr>
-          </a:p>
-          <a:p>
-            <a:pPr indent="0"/>
-            <a:r>
-              <a:rPr lang="en-US" sz="1200" b="1">
-                <a:solidFill>
-                  <a:schemeClr val="tx1"/>
-                </a:solidFill>
-                <a:latin typeface="Calibri" panose="020F0502020204030204" charset="0"/>
-                <a:ea typeface="宋体" panose="02010600030101010101" pitchFamily="2" charset="-122"/>
-                <a:cs typeface="Times New Roman" panose="02020603050405020304" charset="0"/>
-              </a:rPr>
-              <a:t> 2,-1,-1, 2, 0, 0, 2, 1, 0,</a:t>
-            </a:r>
-            <a:endParaRPr lang="en-US" sz="1200" b="1">
-              <a:solidFill>
-                <a:schemeClr val="tx1"/>
-              </a:solidFill>
-              <a:latin typeface="Calibri" panose="020F0502020204030204" charset="0"/>
-              <a:ea typeface="宋体" panose="02010600030101010101" pitchFamily="2" charset="-122"/>
-              <a:cs typeface="Times New Roman" panose="02020603050405020304" charset="0"/>
-            </a:endParaRPr>
-          </a:p>
-          <a:p>
-            <a:pPr indent="0"/>
-            <a:r>
-              <a:rPr lang="en-US" sz="1200" b="1">
-                <a:solidFill>
-                  <a:schemeClr val="tx1"/>
-                </a:solidFill>
-                <a:latin typeface="Calibri" panose="020F0502020204030204" charset="0"/>
-                <a:ea typeface="宋体" panose="02010600030101010101" pitchFamily="2" charset="-122"/>
-                <a:cs typeface="Times New Roman" panose="02020603050405020304" charset="0"/>
-              </a:rPr>
-              <a:t> 1,-1,-1,-1, 0,-1,-1, 0, 4,</a:t>
-            </a:r>
-            <a:endParaRPr lang="en-US" sz="1200" b="1">
-              <a:solidFill>
-                <a:schemeClr val="tx1"/>
-              </a:solidFill>
-              <a:latin typeface="Calibri" panose="020F0502020204030204" charset="0"/>
-              <a:ea typeface="宋体" panose="02010600030101010101" pitchFamily="2" charset="-122"/>
-              <a:cs typeface="Times New Roman" panose="02020603050405020304" charset="0"/>
-            </a:endParaRPr>
-          </a:p>
-          <a:p>
-            <a:pPr indent="0"/>
-            <a:r>
-              <a:rPr lang="en-US" sz="1200" b="1">
-                <a:solidFill>
-                  <a:schemeClr val="tx1"/>
-                </a:solidFill>
-                <a:latin typeface="Calibri" panose="020F0502020204030204" charset="0"/>
-                <a:ea typeface="宋体" panose="02010600030101010101" pitchFamily="2" charset="-122"/>
-                <a:cs typeface="Times New Roman" panose="02020603050405020304" charset="0"/>
-              </a:rPr>
-              <a:t> 1,-2, 0, 0, 2, 1, 2, 1, 0,</a:t>
-            </a:r>
-            <a:endParaRPr lang="en-US" sz="1200" b="1">
-              <a:solidFill>
-                <a:schemeClr val="tx1"/>
-              </a:solidFill>
-              <a:latin typeface="Calibri" panose="020F0502020204030204" charset="0"/>
-              <a:ea typeface="宋体" panose="02010600030101010101" pitchFamily="2" charset="-122"/>
-              <a:cs typeface="Times New Roman" panose="02020603050405020304" charset="0"/>
-            </a:endParaRPr>
-          </a:p>
-          <a:p>
-            <a:pPr indent="0"/>
-            <a:r>
-              <a:rPr lang="en-US" sz="1200" b="1">
-                <a:solidFill>
-                  <a:schemeClr val="tx1"/>
-                </a:solidFill>
-                <a:latin typeface="Calibri" panose="020F0502020204030204" charset="0"/>
-                <a:ea typeface="宋体" panose="02010600030101010101" pitchFamily="2" charset="-122"/>
-                <a:cs typeface="Times New Roman" panose="02020603050405020304" charset="0"/>
-              </a:rPr>
-              <a:t>-2,-1,-2,-1,-2, 2,-1, 2, 7,</a:t>
-            </a:r>
-            <a:endParaRPr lang="en-US" sz="1200" b="1">
-              <a:solidFill>
-                <a:schemeClr val="tx1"/>
-              </a:solidFill>
-              <a:latin typeface="Calibri" panose="020F0502020204030204" charset="0"/>
-              <a:ea typeface="宋体" panose="02010600030101010101" pitchFamily="2" charset="-122"/>
-              <a:cs typeface="Times New Roman" panose="02020603050405020304" charset="0"/>
-            </a:endParaRPr>
-          </a:p>
-          <a:p>
-            <a:pPr indent="0"/>
-            <a:r>
-              <a:rPr lang="en-US" sz="1200" b="1">
-                <a:solidFill>
-                  <a:schemeClr val="tx1"/>
-                </a:solidFill>
-                <a:latin typeface="Calibri" panose="020F0502020204030204" charset="0"/>
-                <a:ea typeface="宋体" panose="02010600030101010101" pitchFamily="2" charset="-122"/>
-                <a:cs typeface="Times New Roman" panose="02020603050405020304" charset="0"/>
-              </a:rPr>
-              <a:t>-1,-2, 0,-1, 2,-1,-1,-1, 5,</a:t>
-            </a:r>
-            <a:endParaRPr lang="en-US" sz="1200" b="1">
-              <a:solidFill>
-                <a:schemeClr val="tx1"/>
-              </a:solidFill>
-              <a:latin typeface="Calibri" panose="020F0502020204030204" charset="0"/>
-              <a:ea typeface="宋体" panose="02010600030101010101" pitchFamily="2" charset="-122"/>
-              <a:cs typeface="Times New Roman" panose="02020603050405020304" charset="0"/>
-            </a:endParaRPr>
-          </a:p>
-          <a:p>
-            <a:pPr indent="0"/>
-            <a:r>
-              <a:rPr lang="en-US" sz="1200" b="1">
-                <a:solidFill>
-                  <a:schemeClr val="tx1"/>
-                </a:solidFill>
-                <a:latin typeface="Calibri" panose="020F0502020204030204" charset="0"/>
-                <a:ea typeface="宋体" panose="02010600030101010101" pitchFamily="2" charset="-122"/>
-                <a:cs typeface="Times New Roman" panose="02020603050405020304" charset="0"/>
-              </a:rPr>
-              <a:t> 2, 1, 3, 2,-1,-1,-1, 1, 0,</a:t>
-            </a:r>
-            <a:endParaRPr lang="en-US" sz="1200" b="1">
-              <a:solidFill>
-                <a:schemeClr val="tx1"/>
-              </a:solidFill>
-              <a:latin typeface="Calibri" panose="020F0502020204030204" charset="0"/>
-              <a:ea typeface="宋体" panose="02010600030101010101" pitchFamily="2" charset="-122"/>
-              <a:cs typeface="Times New Roman" panose="02020603050405020304" charset="0"/>
-            </a:endParaRPr>
-          </a:p>
-          <a:p>
-            <a:pPr indent="0"/>
-            <a:r>
-              <a:rPr lang="en-US" sz="1200" b="1">
-                <a:solidFill>
-                  <a:schemeClr val="tx1"/>
-                </a:solidFill>
-                <a:latin typeface="Calibri" panose="020F0502020204030204" charset="0"/>
-                <a:ea typeface="宋体" panose="02010600030101010101" pitchFamily="2" charset="-122"/>
-                <a:cs typeface="Times New Roman" panose="02020603050405020304" charset="0"/>
-              </a:rPr>
-              <a:t> 3, 2, 0,-1, 3, 2,-1,-1, 0,</a:t>
-            </a:r>
-            <a:endParaRPr lang="en-US" sz="1200" b="1">
-              <a:solidFill>
-                <a:schemeClr val="tx1"/>
-              </a:solidFill>
-              <a:latin typeface="Calibri" panose="020F0502020204030204" charset="0"/>
-              <a:ea typeface="宋体" panose="02010600030101010101" pitchFamily="2" charset="-122"/>
-              <a:cs typeface="Times New Roman" panose="02020603050405020304" charset="0"/>
-            </a:endParaRPr>
-          </a:p>
-          <a:p>
-            <a:pPr indent="0"/>
-            <a:r>
-              <a:rPr lang="en-US" sz="1200" b="1">
-                <a:solidFill>
-                  <a:schemeClr val="tx1"/>
-                </a:solidFill>
-                <a:latin typeface="Calibri" panose="020F0502020204030204" charset="0"/>
-                <a:ea typeface="宋体" panose="02010600030101010101" pitchFamily="2" charset="-122"/>
-                <a:cs typeface="Times New Roman" panose="02020603050405020304" charset="0"/>
-              </a:rPr>
-              <a:t> 0, 3,-1,-1, 2, 3,-1, 3, 0,</a:t>
-            </a:r>
-            <a:endParaRPr lang="en-US" sz="1200" b="1">
-              <a:solidFill>
-                <a:schemeClr val="tx1"/>
-              </a:solidFill>
-              <a:latin typeface="Calibri" panose="020F0502020204030204" charset="0"/>
-              <a:ea typeface="宋体" panose="02010600030101010101" pitchFamily="2" charset="-122"/>
-              <a:cs typeface="Times New Roman" panose="02020603050405020304" charset="0"/>
-            </a:endParaRPr>
-          </a:p>
-          <a:p>
-            <a:pPr indent="0"/>
-            <a:r>
-              <a:rPr lang="en-US" sz="1200" b="1">
-                <a:solidFill>
-                  <a:schemeClr val="tx1"/>
-                </a:solidFill>
-                <a:latin typeface="Calibri" panose="020F0502020204030204" charset="0"/>
-                <a:ea typeface="宋体" panose="02010600030101010101" pitchFamily="2" charset="-122"/>
-                <a:cs typeface="Times New Roman" panose="02020603050405020304" charset="0"/>
-              </a:rPr>
-              <a:t>-1, 1,-3, 2,-1, 0,-3,-3, 8,</a:t>
-            </a:r>
-            <a:endParaRPr lang="en-US" sz="1200" b="1">
-              <a:solidFill>
-                <a:schemeClr val="tx1"/>
-              </a:solidFill>
-              <a:latin typeface="Calibri" panose="020F0502020204030204" charset="0"/>
-              <a:ea typeface="宋体" panose="02010600030101010101" pitchFamily="2" charset="-122"/>
-              <a:cs typeface="Times New Roman" panose="02020603050405020304" charset="0"/>
-            </a:endParaRPr>
-          </a:p>
-          <a:p>
-            <a:pPr indent="0"/>
-            <a:r>
-              <a:rPr lang="en-US" sz="1200" b="1">
-                <a:solidFill>
-                  <a:schemeClr val="tx1"/>
-                </a:solidFill>
-                <a:latin typeface="Calibri" panose="020F0502020204030204" charset="0"/>
-                <a:ea typeface="宋体" panose="02010600030101010101" pitchFamily="2" charset="-122"/>
-                <a:cs typeface="Times New Roman" panose="02020603050405020304" charset="0"/>
-              </a:rPr>
-              <a:t> 2,-1, 1, 1, 1,-1, 0, 2, 0,</a:t>
-            </a:r>
-            <a:endParaRPr lang="en-US" sz="1200" b="1">
-              <a:solidFill>
-                <a:schemeClr val="tx1"/>
-              </a:solidFill>
-              <a:latin typeface="Calibri" panose="020F0502020204030204" charset="0"/>
-              <a:ea typeface="宋体" panose="02010600030101010101" pitchFamily="2" charset="-122"/>
-              <a:cs typeface="Times New Roman" panose="02020603050405020304" charset="0"/>
-            </a:endParaRPr>
-          </a:p>
-          <a:p>
-            <a:pPr indent="0"/>
-            <a:r>
-              <a:rPr lang="en-US" sz="1200" b="1">
-                <a:solidFill>
-                  <a:schemeClr val="tx1"/>
-                </a:solidFill>
-                <a:latin typeface="Calibri" panose="020F0502020204030204" charset="0"/>
-                <a:ea typeface="宋体" panose="02010600030101010101" pitchFamily="2" charset="-122"/>
-                <a:cs typeface="Times New Roman" panose="02020603050405020304" charset="0"/>
-              </a:rPr>
-              <a:t>-2,-1, 2,-2,-1,-2,-1, 2, 7,</a:t>
-            </a:r>
-            <a:endParaRPr lang="en-US" sz="1200" b="1">
-              <a:solidFill>
-                <a:schemeClr val="tx1"/>
-              </a:solidFill>
-              <a:latin typeface="Calibri" panose="020F0502020204030204" charset="0"/>
-              <a:ea typeface="宋体" panose="02010600030101010101" pitchFamily="2" charset="-122"/>
-              <a:cs typeface="Times New Roman" panose="02020603050405020304" charset="0"/>
-            </a:endParaRPr>
-          </a:p>
-          <a:p>
-            <a:pPr indent="0"/>
-            <a:r>
-              <a:rPr lang="en-US" sz="1200" b="1">
-                <a:solidFill>
-                  <a:schemeClr val="tx1"/>
-                </a:solidFill>
-                <a:latin typeface="Calibri" panose="020F0502020204030204" charset="0"/>
-                <a:ea typeface="宋体" panose="02010600030101010101" pitchFamily="2" charset="-122"/>
-                <a:cs typeface="Times New Roman" panose="02020603050405020304" charset="0"/>
-              </a:rPr>
-              <a:t> 1,-1, 1, 0,-1, 1,-1, 0, 2,</a:t>
-            </a:r>
-            <a:endParaRPr lang="en-US" sz="1200" b="1">
-              <a:solidFill>
-                <a:schemeClr val="tx1"/>
-              </a:solidFill>
-              <a:latin typeface="Calibri" panose="020F0502020204030204" charset="0"/>
-              <a:ea typeface="宋体" panose="02010600030101010101" pitchFamily="2" charset="-122"/>
-              <a:cs typeface="Times New Roman" panose="02020603050405020304" charset="0"/>
-            </a:endParaRPr>
-          </a:p>
-          <a:p>
-            <a:pPr indent="0"/>
-            <a:r>
-              <a:rPr lang="en-US" sz="1200" b="1">
-                <a:solidFill>
-                  <a:schemeClr val="tx1"/>
-                </a:solidFill>
-                <a:latin typeface="Calibri" panose="020F0502020204030204" charset="0"/>
-                <a:ea typeface="宋体" panose="02010600030101010101" pitchFamily="2" charset="-122"/>
-                <a:cs typeface="Times New Roman" panose="02020603050405020304" charset="0"/>
-              </a:rPr>
-              <a:t>-1,-1, 1, 1, 0, 0, 0,-1, 2,</a:t>
-            </a:r>
-            <a:endParaRPr lang="en-US" sz="1200" b="1">
-              <a:solidFill>
-                <a:schemeClr val="tx1"/>
-              </a:solidFill>
-              <a:latin typeface="Calibri" panose="020F0502020204030204" charset="0"/>
-              <a:ea typeface="宋体" panose="02010600030101010101" pitchFamily="2" charset="-122"/>
-              <a:cs typeface="Times New Roman" panose="02020603050405020304" charset="0"/>
-            </a:endParaRPr>
-          </a:p>
-          <a:p>
-            <a:pPr indent="0"/>
-            <a:r>
-              <a:rPr lang="en-US" sz="1200" b="1">
-                <a:solidFill>
-                  <a:schemeClr val="tx1"/>
-                </a:solidFill>
-                <a:latin typeface="Calibri" panose="020F0502020204030204" charset="0"/>
-                <a:ea typeface="宋体" panose="02010600030101010101" pitchFamily="2" charset="-122"/>
-                <a:cs typeface="Times New Roman" panose="02020603050405020304" charset="0"/>
-              </a:rPr>
-              <a:t>-2, 2, 1, 2, 0, 0, 1, 1, 0,</a:t>
-            </a:r>
-            <a:endParaRPr lang="en-US" sz="1200" b="1">
-              <a:solidFill>
-                <a:schemeClr val="tx1"/>
-              </a:solidFill>
-              <a:latin typeface="Calibri" panose="020F0502020204030204" charset="0"/>
-              <a:ea typeface="宋体" panose="02010600030101010101" pitchFamily="2" charset="-122"/>
-              <a:cs typeface="Times New Roman" panose="02020603050405020304" charset="0"/>
-            </a:endParaRPr>
-          </a:p>
-          <a:p>
-            <a:pPr indent="0"/>
-            <a:r>
-              <a:rPr lang="en-US" sz="1200" b="1">
-                <a:solidFill>
-                  <a:schemeClr val="tx1"/>
-                </a:solidFill>
-                <a:latin typeface="Calibri" panose="020F0502020204030204" charset="0"/>
-                <a:ea typeface="宋体" panose="02010600030101010101" pitchFamily="2" charset="-122"/>
-                <a:cs typeface="Times New Roman" panose="02020603050405020304" charset="0"/>
-              </a:rPr>
-              <a:t>)    </a:t>
+              <a:t> (+ 3, 1,-1,-1, 2, 3, 1,-1, 0,+-3,-2,-1, 2, 1,-1,-2,-1, 7,+-1,-1, 2,-1,-2, 2, 2,-1, 4,+-1, 2, 0, 0, 2,-1, 2, 1, 0,+ 2, 3, 3, 2,-1,-1, 1,-1, 0,+-1, 1, 0,-1,-1, 0,-1,-1, 4,+-1,-1,-2,-2,-1,-2, 2,-1, 8,+ 2,-1,-1, 2, 0, 0, 2, 1, 0,+ 1,-1,-1,-1, 0,-1,-1, 0, 4,+ 1,-2, 0, 0, 2, 1, 2, 1, 0,+-2,-1,-2,-1,-2, 2,-1, 2, 7,+-1,-2, 0,-1, 2,-1,-1,-1, 5,+ 2, 1, 3, 2,-1,-1,-1, 1, 0,+ 3, 2, 0,-1, 3, 2,-1,-1, 0,+ 0, 3,-1,-1, 2, 3,-1, 3, 0,+-1, 1,-3, 2,-1, 0,-3,-3, 8,+ 2,-1, 1, 1, 1,-1, 0, 2, 0,+-2,-1, 2,-2,-1,-2,-1, 2, 7,+ 1,-1, 1, 0,-1, 1,-1, 0, 2,+-1,-1, 1, 1, 0, 0, 0,-1, 2,+-2, 2, 1, 2, 0, 0, 1, 1, 0,+)    </a:t>
             </a:r>
             <a:endParaRPr lang="en-US" sz="1200" b="1">
               <a:solidFill>
@@ -10597,7 +10009,6 @@
           <a:bodyPr wrap="square" rtlCol="0">
             <a:spAutoFit/>
           </a:bodyPr>
-          <a:lstStyle/>
           <a:p>
             <a:r>
               <a:rPr lang="zh-CN" altLang="en-US"/>
@@ -10655,7 +10066,6 @@
           <a:bodyPr wrap="square" rtlCol="0" anchor="t">
             <a:spAutoFit/>
           </a:bodyPr>
-          <a:lstStyle/>
           <a:p>
             <a:r>
               <a:rPr lang="zh-CN" altLang="en-US" b="1">
@@ -10874,7 +10284,6 @@
         </p:style>
         <p:txBody>
           <a:bodyPr rtlCol="0" anchor="ctr"/>
-          <a:lstStyle/>
           <a:p>
             <a:pPr algn="ctr"/>
             <a:endParaRPr lang="zh-CN" altLang="en-US"/>
@@ -10917,14 +10326,7 @@
         <p:cNvGrpSpPr/>
         <p:nvPr/>
       </p:nvGrpSpPr>
-      <p:grpSpPr>
-        <a:xfrm>
-          <a:off x="0" y="0"/>
-          <a:ext cx="0" cy="0"/>
-          <a:chOff x="0" y="0"/>
-          <a:chExt cx="0" cy="0"/>
-        </a:xfrm>
-      </p:grpSpPr>
+      <p:grpSpPr/>
       <p:sp>
         <p:nvSpPr>
           <p:cNvPr id="4" name="标题 3"/>
@@ -10999,7 +10401,6 @@
           <a:bodyPr wrap="square" rtlCol="0">
             <a:spAutoFit/>
           </a:bodyPr>
-          <a:lstStyle/>
           <a:p>
             <a:r>
               <a:rPr lang="en-US" altLang="zh-CN" sz="2000">
@@ -11067,7 +10468,6 @@
           <a:bodyPr wrap="square" rtlCol="0">
             <a:spAutoFit/>
           </a:bodyPr>
-          <a:lstStyle/>
           <a:p>
             <a:r>
               <a:rPr lang="zh-CN" altLang="en-US"/>
@@ -11080,7 +10480,7 @@
       <p:graphicFrame>
         <p:nvGraphicFramePr>
           <p:cNvPr id="8" name="对象 7">
-            <a:hlinkClick r:id="" action="ppaction://ole?verb=0"/>
+            <a:hlinkClick r:id="" action="ppaction://ole?verb="/>
           </p:cNvPr>
           <p:cNvGraphicFramePr>
             <a:graphicFrameLocks noChangeAspect="1"/>
@@ -11095,7 +10495,7 @@
           <a:graphicData uri="http://schemas.openxmlformats.org/presentationml/2006/ole">
             <mc:AlternateContent xmlns:mc="http://schemas.openxmlformats.org/markup-compatibility/2006">
               <mc:Choice xmlns:v="urn:schemas-microsoft-com:vml" Requires="v">
-                <p:oleObj spid="_x0000_s1034" name="" r:id="rId2" imgW="1917065" imgH="254000" progId="Equation.KSEE3">
+                <p:oleObj spid="_x0000_s1025" name="" r:id="rId2" imgW="1917065" imgH="254000" progId="Equation.KSEE3">
                   <p:embed/>
                 </p:oleObj>
               </mc:Choice>
@@ -11172,7 +10572,6 @@
         </p:style>
         <p:txBody>
           <a:bodyPr rtlCol="0" anchor="ctr"/>
-          <a:lstStyle/>
           <a:p>
             <a:pPr algn="ctr"/>
             <a:endParaRPr lang="zh-CN" altLang="en-US"/>
@@ -11199,7 +10598,6 @@
           <a:bodyPr wrap="square" rtlCol="0" anchor="t">
             <a:spAutoFit/>
           </a:bodyPr>
-          <a:lstStyle/>
           <a:p>
             <a:pPr algn="l">
               <a:buClrTx/>
@@ -11407,14 +10805,7 @@
         <p:cNvGrpSpPr/>
         <p:nvPr/>
       </p:nvGrpSpPr>
-      <p:grpSpPr>
-        <a:xfrm>
-          <a:off x="0" y="0"/>
-          <a:ext cx="0" cy="0"/>
-          <a:chOff x="0" y="0"/>
-          <a:chExt cx="0" cy="0"/>
-        </a:xfrm>
-      </p:grpSpPr>
+      <p:grpSpPr/>
       <p:sp>
         <p:nvSpPr>
           <p:cNvPr id="5" name="标题 4"/>
@@ -11430,7 +10821,6 @@
           <a:bodyPr>
             <a:normAutofit fontScale="90000"/>
           </a:bodyPr>
-          <a:lstStyle/>
           <a:p>
             <a:r>
               <a:rPr lang="zh-CN" altLang="en-US" sz="3555"/>
@@ -11483,14 +10873,7 @@
         <p:cNvGrpSpPr/>
         <p:nvPr/>
       </p:nvGrpSpPr>
-      <p:grpSpPr>
-        <a:xfrm>
-          <a:off x="0" y="0"/>
-          <a:ext cx="0" cy="0"/>
-          <a:chOff x="0" y="0"/>
-          <a:chExt cx="0" cy="0"/>
-        </a:xfrm>
-      </p:grpSpPr>
+      <p:grpSpPr/>
       <p:sp>
         <p:nvSpPr>
           <p:cNvPr id="4" name="标题 3"/>
@@ -11509,7 +10892,6 @@
         </p:spPr>
         <p:txBody>
           <a:bodyPr/>
-          <a:lstStyle/>
           <a:p>
             <a:r>
               <a:rPr lang="en-US" altLang="zh-CN"/>
@@ -11563,121 +10945,47 @@
           <a:bodyPr wrap="square" rtlCol="0">
             <a:spAutoFit/>
           </a:bodyPr>
-          <a:lstStyle/>
-          <a:p>
-            <a:r>
-              <a:rPr lang="zh-CN" altLang="en-US" sz="2000" dirty="0">
+          <a:p>
+            <a:r>
+              <a:rPr lang="en-US" altLang="zh-CN" sz="2000">
                 <a:latin typeface="楷体" panose="02010609060101010101" charset="-122"/>
                 <a:ea typeface="楷体" panose="02010609060101010101" charset="-122"/>
                 <a:cs typeface="楷体" panose="02010609060101010101" charset="-122"/>
               </a:rPr>
-              <a:t>假设我们要找一条</a:t>
-            </a:r>
-            <a:r>
-              <a:rPr lang="en-US" altLang="zh-CN" sz="2000" dirty="0">
+              <a:t>将r轮密码分成t段，为每一段选择一个概率阈值，确保每一段的差分概率大于相应的阈值；</a:t>
+            </a:r>
+            <a:endParaRPr lang="en-US" altLang="zh-CN" sz="2000">
+              <a:latin typeface="楷体" panose="02010609060101010101" charset="-122"/>
+              <a:ea typeface="楷体" panose="02010609060101010101" charset="-122"/>
+              <a:cs typeface="楷体" panose="02010609060101010101" charset="-122"/>
+            </a:endParaRPr>
+          </a:p>
+          <a:p>
+            <a:r>
+              <a:rPr lang="en-US" altLang="zh-CN" sz="2000">
                 <a:latin typeface="楷体" panose="02010609060101010101" charset="-122"/>
                 <a:ea typeface="楷体" panose="02010609060101010101" charset="-122"/>
                 <a:cs typeface="楷体" panose="02010609060101010101" charset="-122"/>
               </a:rPr>
-              <a:t>r</a:t>
-            </a:r>
-            <a:r>
-              <a:rPr lang="zh-CN" altLang="en-US" sz="2000" dirty="0">
+              <a:t>选择一个r轮的差分概率阈值Ptarget；</a:t>
+            </a:r>
+            <a:endParaRPr lang="en-US" altLang="zh-CN" sz="2000">
+              <a:latin typeface="楷体" panose="02010609060101010101" charset="-122"/>
+              <a:ea typeface="楷体" panose="02010609060101010101" charset="-122"/>
+              <a:cs typeface="楷体" panose="02010609060101010101" charset="-122"/>
+            </a:endParaRPr>
+          </a:p>
+          <a:p>
+            <a:r>
+              <a:rPr lang="en-US" altLang="zh-CN" sz="2000">
                 <a:latin typeface="楷体" panose="02010609060101010101" charset="-122"/>
                 <a:ea typeface="楷体" panose="02010609060101010101" charset="-122"/>
                 <a:cs typeface="楷体" panose="02010609060101010101" charset="-122"/>
               </a:rPr>
-              <a:t>轮的差分路径，我们首先</a:t>
-            </a:r>
-            <a:r>
-              <a:rPr lang="en-US" altLang="zh-CN" sz="2000" dirty="0" err="1">
-                <a:latin typeface="楷体" panose="02010609060101010101" charset="-122"/>
-                <a:ea typeface="楷体" panose="02010609060101010101" charset="-122"/>
-                <a:cs typeface="楷体" panose="02010609060101010101" charset="-122"/>
-              </a:rPr>
-              <a:t>将r轮分成t段</a:t>
-            </a:r>
-            <a:r>
-              <a:rPr lang="zh-CN" altLang="en-US" sz="2000" dirty="0">
-                <a:latin typeface="楷体" panose="02010609060101010101" charset="-122"/>
-                <a:ea typeface="楷体" panose="02010609060101010101" charset="-122"/>
-                <a:cs typeface="楷体" panose="02010609060101010101" charset="-122"/>
-              </a:rPr>
-              <a:t>，</a:t>
-            </a:r>
-            <a:r>
-              <a:rPr lang="en-US" altLang="zh-CN" sz="2000" dirty="0" err="1">
-                <a:latin typeface="楷体" panose="02010609060101010101" charset="-122"/>
-                <a:ea typeface="楷体" panose="02010609060101010101" charset="-122"/>
-                <a:cs typeface="楷体" panose="02010609060101010101" charset="-122"/>
-              </a:rPr>
-              <a:t>为每一段选择一个概率阈值</a:t>
-            </a:r>
-            <a:r>
-              <a:rPr lang="en-US" altLang="zh-CN" sz="2000" dirty="0">
-                <a:latin typeface="楷体" panose="02010609060101010101" charset="-122"/>
-                <a:ea typeface="楷体" panose="02010609060101010101" charset="-122"/>
-                <a:cs typeface="楷体" panose="02010609060101010101" charset="-122"/>
-              </a:rPr>
-              <a:t>，</a:t>
-            </a:r>
-            <a:r>
-              <a:rPr lang="zh-CN" altLang="en-US" sz="2000" dirty="0">
-                <a:latin typeface="楷体" panose="02010609060101010101" charset="-122"/>
-                <a:ea typeface="楷体" panose="02010609060101010101" charset="-122"/>
-                <a:cs typeface="楷体" panose="02010609060101010101" charset="-122"/>
-              </a:rPr>
-              <a:t>在搜索时</a:t>
-            </a:r>
-            <a:r>
-              <a:rPr lang="en-US" altLang="zh-CN" sz="2000" dirty="0" err="1">
-                <a:latin typeface="楷体" panose="02010609060101010101" charset="-122"/>
-                <a:ea typeface="楷体" panose="02010609060101010101" charset="-122"/>
-                <a:cs typeface="楷体" panose="02010609060101010101" charset="-122"/>
-              </a:rPr>
-              <a:t>确保每一段的差分概率大于相应的阈值</a:t>
-            </a:r>
-            <a:r>
-              <a:rPr lang="en-US" altLang="zh-CN" sz="2000" dirty="0">
-                <a:latin typeface="楷体" panose="02010609060101010101" charset="-122"/>
-                <a:ea typeface="楷体" panose="02010609060101010101" charset="-122"/>
-                <a:cs typeface="楷体" panose="02010609060101010101" charset="-122"/>
-              </a:rPr>
-              <a:t>；</a:t>
-            </a:r>
-            <a:endParaRPr lang="en-US" altLang="zh-CN" sz="2000" dirty="0">
-              <a:latin typeface="楷体" panose="02010609060101010101" charset="-122"/>
-              <a:ea typeface="楷体" panose="02010609060101010101" charset="-122"/>
-              <a:cs typeface="楷体" panose="02010609060101010101" charset="-122"/>
-            </a:endParaRPr>
-          </a:p>
-          <a:p>
-            <a:r>
-              <a:rPr lang="en-US" altLang="zh-CN" sz="2000" dirty="0" err="1">
-                <a:latin typeface="楷体" panose="02010609060101010101" charset="-122"/>
-                <a:ea typeface="楷体" panose="02010609060101010101" charset="-122"/>
-                <a:cs typeface="楷体" panose="02010609060101010101" charset="-122"/>
-              </a:rPr>
-              <a:t>选择一个r</a:t>
-            </a:r>
-            <a:r>
-              <a:rPr lang="zh-CN" altLang="en-US" sz="2000" dirty="0">
-                <a:latin typeface="楷体" panose="02010609060101010101" charset="-122"/>
-                <a:ea typeface="楷体" panose="02010609060101010101" charset="-122"/>
-                <a:cs typeface="楷体" panose="02010609060101010101" charset="-122"/>
-              </a:rPr>
-              <a:t>轮</a:t>
-            </a:r>
-            <a:r>
-              <a:rPr lang="en-US" altLang="zh-CN" sz="2000" dirty="0" err="1">
-                <a:latin typeface="楷体" panose="02010609060101010101" charset="-122"/>
-                <a:ea typeface="楷体" panose="02010609060101010101" charset="-122"/>
-                <a:cs typeface="楷体" panose="02010609060101010101" charset="-122"/>
-              </a:rPr>
-              <a:t>差分</a:t>
-            </a:r>
-            <a:r>
-              <a:rPr lang="zh-CN" altLang="en-US" sz="2000" dirty="0">
+              <a:t>如果t段差分</a:t>
+            </a:r>
+            <a:r>
+              <a:rPr lang="zh-CN" altLang="en-US" sz="2000">
                 <a:latin typeface="楷体" panose="02010609060101010101" charset="-122"/>
                 <a:ea typeface="楷体" panose="02010609060101010101" charset="-122"/>
                 <a:cs typeface="楷体" panose="02010609060101010101" charset="-122"/>
@@ -11685,61 +10993,22 @@
               <a:t>的</a:t>
             </a:r>
             <a:r>
-              <a:rPr lang="en-US" altLang="zh-CN" sz="2000" dirty="0" err="1">
+              <a:rPr lang="en-US" altLang="zh-CN" sz="2000">
                 <a:latin typeface="楷体" panose="02010609060101010101" charset="-122"/>
                 <a:ea typeface="楷体" panose="02010609060101010101" charset="-122"/>
                 <a:cs typeface="楷体" panose="02010609060101010101" charset="-122"/>
               </a:rPr>
-              <a:t>概率阈值Ptarget</a:t>
-            </a:r>
-            <a:r>
-              <a:rPr lang="en-US" altLang="zh-CN" sz="2000" dirty="0">
-                <a:latin typeface="楷体" panose="02010609060101010101" charset="-122"/>
-                <a:ea typeface="楷体" panose="02010609060101010101" charset="-122"/>
-                <a:cs typeface="楷体" panose="02010609060101010101" charset="-122"/>
-              </a:rPr>
-              <a:t>；</a:t>
-            </a:r>
-            <a:endParaRPr lang="en-US" altLang="zh-CN" sz="2000" dirty="0">
-              <a:latin typeface="楷体" panose="02010609060101010101" charset="-122"/>
-              <a:ea typeface="楷体" panose="02010609060101010101" charset="-122"/>
-              <a:cs typeface="楷体" panose="02010609060101010101" charset="-122"/>
-            </a:endParaRPr>
-          </a:p>
-          <a:p>
-            <a:r>
-              <a:rPr lang="en-US" altLang="zh-CN" sz="2000" dirty="0" err="1">
-                <a:latin typeface="楷体" panose="02010609060101010101" charset="-122"/>
-                <a:ea typeface="楷体" panose="02010609060101010101" charset="-122"/>
-                <a:cs typeface="楷体" panose="02010609060101010101" charset="-122"/>
-              </a:rPr>
-              <a:t>如果</a:t>
-            </a:r>
-            <a:r>
-              <a:rPr lang="zh-CN" altLang="en-US" sz="2000" dirty="0">
-                <a:latin typeface="楷体" panose="02010609060101010101" charset="-122"/>
-                <a:ea typeface="楷体" panose="02010609060101010101" charset="-122"/>
-                <a:cs typeface="楷体" panose="02010609060101010101" charset="-122"/>
-              </a:rPr>
-              <a:t>我们最终搜索的结果，</a:t>
-            </a:r>
-            <a:r>
-              <a:rPr lang="en-US" altLang="zh-CN" sz="2000" dirty="0" err="1">
-                <a:latin typeface="楷体" panose="02010609060101010101" charset="-122"/>
-                <a:ea typeface="楷体" panose="02010609060101010101" charset="-122"/>
-                <a:cs typeface="楷体" panose="02010609060101010101" charset="-122"/>
-              </a:rPr>
-              <a:t>t段差分概率的乘积大于Ptarget，保留该解决方案</a:t>
-            </a:r>
-            <a:r>
-              <a:rPr lang="zh-CN" altLang="en-US" sz="2000" dirty="0">
+              <a:t>概率的乘积大于Ptarget，保留该解决方案</a:t>
+            </a:r>
+            <a:r>
+              <a:rPr lang="zh-CN" altLang="en-US" sz="2000">
                 <a:latin typeface="楷体" panose="02010609060101010101" charset="-122"/>
                 <a:ea typeface="楷体" panose="02010609060101010101" charset="-122"/>
                 <a:cs typeface="楷体" panose="02010609060101010101" charset="-122"/>
               </a:rPr>
               <a:t>。</a:t>
             </a:r>
-            <a:endParaRPr lang="zh-CN" altLang="en-US" sz="2000" dirty="0">
+            <a:endParaRPr lang="zh-CN" altLang="en-US" sz="2000">
               <a:latin typeface="楷体" panose="02010609060101010101" charset="-122"/>
               <a:ea typeface="楷体" panose="02010609060101010101" charset="-122"/>
               <a:cs typeface="楷体" panose="02010609060101010101" charset="-122"/>
@@ -11783,14 +11052,7 @@
         <p:cNvGrpSpPr/>
         <p:nvPr/>
       </p:nvGrpSpPr>
-      <p:grpSpPr>
-        <a:xfrm>
-          <a:off x="0" y="0"/>
-          <a:ext cx="0" cy="0"/>
-          <a:chOff x="0" y="0"/>
-          <a:chExt cx="0" cy="0"/>
-        </a:xfrm>
-      </p:grpSpPr>
+      <p:grpSpPr/>
       <p:sp>
         <p:nvSpPr>
           <p:cNvPr id="5" name="标题 4"/>
@@ -11804,17 +11066,16 @@
         <p:spPr/>
         <p:txBody>
           <a:bodyPr/>
-          <a:lstStyle/>
-          <a:p>
-            <a:r>
-              <a:rPr lang="en-US" altLang="zh-CN" dirty="0"/>
+          <a:p>
+            <a:r>
+              <a:rPr lang="en-US" altLang="zh-CN"/>
               <a:t>2.</a:t>
             </a:r>
             <a:r>
-              <a:rPr lang="zh-CN" altLang="en-US" dirty="0"/>
+              <a:rPr lang="zh-CN" altLang="en-US"/>
               <a:t>如何连接？</a:t>
             </a:r>
-            <a:endParaRPr lang="zh-CN" altLang="en-US" dirty="0"/>
+            <a:endParaRPr lang="zh-CN" altLang="en-US"/>
           </a:p>
         </p:txBody>
       </p:sp>
@@ -11844,14 +11105,14 @@
       </p:pic>
       <p:sp>
         <p:nvSpPr>
-          <p:cNvPr id="2" name="文本框 1"/>
+          <p:cNvPr id="7" name="文本框 6"/>
           <p:cNvSpPr txBox="1"/>
           <p:nvPr/>
         </p:nvSpPr>
         <p:spPr>
           <a:xfrm>
-            <a:off x="2088515" y="4376420"/>
-            <a:ext cx="8093710" cy="1322070"/>
+            <a:off x="2052320" y="4524375"/>
+            <a:ext cx="8858885" cy="1322070"/>
           </a:xfrm>
           <a:prstGeom prst="rect">
             <a:avLst/>
@@ -11863,6 +11124,11 @@
             <a:spAutoFit/>
           </a:bodyPr>
           <a:p>
+            <a:pPr algn="l">
+              <a:buClrTx/>
+              <a:buSzTx/>
+              <a:buNone/>
+            </a:pPr>
             <a:r>
               <a:rPr lang="zh-CN" altLang="en-US" sz="2000">
                 <a:latin typeface="楷体" panose="02010609060101010101" charset="-122"/>
@@ -11885,15 +11151,36 @@
                 <a:ea typeface="楷体" panose="02010609060101010101" charset="-122"/>
                 <a:cs typeface="楷体" panose="02010609060101010101" charset="-122"/>
               </a:rPr>
-              <a:t>）将    模型搜索出的差分路径    的输出作为    模型的输入；</a:t>
-            </a:r>
-            <a:endParaRPr lang="zh-CN" altLang="en-US" sz="2000">
+              <a:t>）</a:t>
+            </a:r>
+            <a:r>
+              <a:rPr lang="en-US" altLang="zh-CN" sz="2000">
+                <a:latin typeface="楷体" panose="02010609060101010101" charset="-122"/>
+                <a:ea typeface="楷体" panose="02010609060101010101" charset="-122"/>
+                <a:cs typeface="楷体" panose="02010609060101010101" charset="-122"/>
+              </a:rPr>
+              <a:t>将前一段的差分路径Di-1的输出作为后一段的输入</a:t>
+            </a:r>
+            <a:r>
+              <a:rPr lang="zh-CN" altLang="en-US" sz="2000">
+                <a:latin typeface="楷体" panose="02010609060101010101" charset="-122"/>
+                <a:ea typeface="楷体" panose="02010609060101010101" charset="-122"/>
+                <a:cs typeface="楷体" panose="02010609060101010101" charset="-122"/>
+              </a:rPr>
+              <a:t>；</a:t>
+            </a:r>
+            <a:endParaRPr lang="en-US" altLang="zh-CN" sz="2000">
               <a:latin typeface="楷体" panose="02010609060101010101" charset="-122"/>
               <a:ea typeface="楷体" panose="02010609060101010101" charset="-122"/>
               <a:cs typeface="楷体" panose="02010609060101010101" charset="-122"/>
             </a:endParaRPr>
           </a:p>
           <a:p>
+            <a:pPr algn="l">
+              <a:buClrTx/>
+              <a:buSzTx/>
+              <a:buNone/>
+            </a:pPr>
             <a:r>
               <a:rPr lang="zh-CN" altLang="en-US" sz="2000">
                 <a:latin typeface="楷体" panose="02010609060101010101" charset="-122"/>
@@ -11916,22 +11203,55 @@
                 <a:ea typeface="楷体" panose="02010609060101010101" charset="-122"/>
                 <a:cs typeface="楷体" panose="02010609060101010101" charset="-122"/>
               </a:rPr>
-              <a:t>）如果有可行的解决方案，两端接上，继续往后搜索；否则，将</a:t>
-            </a:r>
-            <a:endParaRPr lang="zh-CN" altLang="en-US" sz="2000">
-              <a:latin typeface="楷体" panose="02010609060101010101" charset="-122"/>
-              <a:ea typeface="楷体" panose="02010609060101010101" charset="-122"/>
-              <a:cs typeface="楷体" panose="02010609060101010101" charset="-122"/>
-            </a:endParaRPr>
-          </a:p>
-          <a:p>
+              <a:t>）</a:t>
+            </a:r>
+            <a:r>
+              <a:rPr lang="en-US" altLang="zh-CN" sz="2000">
+                <a:latin typeface="楷体" panose="02010609060101010101" charset="-122"/>
+                <a:ea typeface="楷体" panose="02010609060101010101" charset="-122"/>
+                <a:cs typeface="楷体" panose="02010609060101010101" charset="-122"/>
+              </a:rPr>
+              <a:t>如果有可行的解决方案，两段接上，继续往后；否则，将该差分路径从前一段</a:t>
+            </a:r>
             <a:r>
               <a:rPr lang="zh-CN" altLang="en-US" sz="2000">
                 <a:latin typeface="楷体" panose="02010609060101010101" charset="-122"/>
                 <a:ea typeface="楷体" panose="02010609060101010101" charset="-122"/>
                 <a:cs typeface="楷体" panose="02010609060101010101" charset="-122"/>
               </a:rPr>
-              <a:t>从    模型中移除，继续在    模型中找新的差分路径，重复（</a:t>
+              <a:t>的</a:t>
+            </a:r>
+            <a:r>
+              <a:rPr lang="en-US" altLang="zh-CN" sz="2000">
+                <a:latin typeface="楷体" panose="02010609060101010101" charset="-122"/>
+                <a:ea typeface="楷体" panose="02010609060101010101" charset="-122"/>
+                <a:cs typeface="楷体" panose="02010609060101010101" charset="-122"/>
+              </a:rPr>
+              <a:t>MILP</a:t>
+            </a:r>
+            <a:r>
+              <a:rPr lang="zh-CN" altLang="en-US" sz="2000">
+                <a:latin typeface="楷体" panose="02010609060101010101" charset="-122"/>
+                <a:ea typeface="楷体" panose="02010609060101010101" charset="-122"/>
+                <a:cs typeface="楷体" panose="02010609060101010101" charset="-122"/>
+              </a:rPr>
+              <a:t>模型</a:t>
+            </a:r>
+            <a:r>
+              <a:rPr lang="en-US" altLang="zh-CN" sz="2000">
+                <a:latin typeface="楷体" panose="02010609060101010101" charset="-122"/>
+                <a:ea typeface="楷体" panose="02010609060101010101" charset="-122"/>
+                <a:cs typeface="楷体" panose="02010609060101010101" charset="-122"/>
+              </a:rPr>
+              <a:t>中移除，找新的差分路径</a:t>
+            </a:r>
+            <a:r>
+              <a:rPr lang="zh-CN" altLang="en-US" sz="2000">
+                <a:latin typeface="楷体" panose="02010609060101010101" charset="-122"/>
+                <a:ea typeface="楷体" panose="02010609060101010101" charset="-122"/>
+                <a:cs typeface="楷体" panose="02010609060101010101" charset="-122"/>
+              </a:rPr>
+              <a:t>，重复（</a:t>
             </a:r>
             <a:r>
               <a:rPr lang="en-US" altLang="zh-CN" sz="2000">
@@ -11949,13 +11269,18 @@
               </a:rPr>
               <a:t>）；</a:t>
             </a:r>
-            <a:endParaRPr lang="zh-CN" altLang="en-US" sz="2000">
+            <a:endParaRPr lang="en-US" altLang="zh-CN" sz="2000">
               <a:latin typeface="楷体" panose="02010609060101010101" charset="-122"/>
               <a:ea typeface="楷体" panose="02010609060101010101" charset="-122"/>
               <a:cs typeface="楷体" panose="02010609060101010101" charset="-122"/>
             </a:endParaRPr>
           </a:p>
           <a:p>
+            <a:pPr algn="l">
+              <a:buClrTx/>
+              <a:buSzTx/>
+              <a:buNone/>
+            </a:pPr>
             <a:r>
               <a:rPr lang="zh-CN" altLang="en-US" sz="2000">
                 <a:latin typeface="楷体" panose="02010609060101010101" charset="-122"/>
@@ -11978,7 +11303,7 @@
                 <a:ea typeface="楷体" panose="02010609060101010101" charset="-122"/>
                 <a:cs typeface="楷体" panose="02010609060101010101" charset="-122"/>
               </a:rPr>
-              <a:t>）直至所有分段连接为一条</a:t>
+              <a:t>）直至所有分段连接成为一条</a:t>
             </a:r>
             <a:r>
               <a:rPr lang="en-US" altLang="zh-CN" sz="2000">
@@ -12004,327 +11329,9 @@
           </a:p>
         </p:txBody>
       </p:sp>
-      <p:graphicFrame>
-        <p:nvGraphicFramePr>
-          <p:cNvPr id="3" name="对象 2">
-            <a:hlinkClick r:id="" action="ppaction://ole?verb="/>
-          </p:cNvPr>
-          <p:cNvGraphicFramePr>
-            <a:graphicFrameLocks noChangeAspect="1"/>
-          </p:cNvGraphicFramePr>
-          <p:nvPr/>
-        </p:nvGraphicFramePr>
-        <p:xfrm>
-          <a:off x="3042285" y="4342765"/>
-          <a:ext cx="508000" cy="401955"/>
-        </p:xfrm>
-        <a:graphic>
-          <a:graphicData uri="http://schemas.openxmlformats.org/presentationml/2006/ole">
-            <mc:AlternateContent xmlns:mc="http://schemas.openxmlformats.org/markup-compatibility/2006">
-              <mc:Choice xmlns:v="urn:schemas-microsoft-com:vml" Requires="v">
-                <p:oleObj spid="_x0000_s1025" name="" r:id="rId2" imgW="304800" imgH="241300" progId="Equation.KSEE3">
-                  <p:embed/>
-                </p:oleObj>
-              </mc:Choice>
-              <mc:Fallback>
-                <p:oleObj name="" r:id="rId2" imgW="304800" imgH="241300" progId="Equation.KSEE3">
-                  <p:embed/>
-                  <p:pic>
-                    <p:nvPicPr>
-                      <p:cNvPr id="0" name="图片 1024"/>
-                      <p:cNvPicPr/>
-                      <p:nvPr/>
-                    </p:nvPicPr>
-                    <p:blipFill>
-                      <a:blip r:embed="rId3"/>
-                      <a:stretch>
-                        <a:fillRect/>
-                      </a:stretch>
-                    </p:blipFill>
-                    <p:spPr>
-                      <a:xfrm>
-                        <a:off x="3042285" y="4342765"/>
-                        <a:ext cx="508000" cy="401955"/>
-                      </a:xfrm>
-                      <a:prstGeom prst="rect">
-                        <a:avLst/>
-                      </a:prstGeom>
-                    </p:spPr>
-                  </p:pic>
-                </p:oleObj>
-              </mc:Fallback>
-            </mc:AlternateContent>
-          </a:graphicData>
-        </a:graphic>
-      </p:graphicFrame>
-      <p:graphicFrame>
-        <p:nvGraphicFramePr>
-          <p:cNvPr id="4" name="对象 3">
-            <a:hlinkClick r:id="" action="ppaction://ole?verb="/>
-          </p:cNvPr>
-          <p:cNvGraphicFramePr>
-            <a:graphicFrameLocks noChangeAspect="1"/>
-          </p:cNvGraphicFramePr>
-          <p:nvPr/>
-        </p:nvGraphicFramePr>
-        <p:xfrm>
-          <a:off x="6198235" y="4371340"/>
-          <a:ext cx="405765" cy="344805"/>
-        </p:xfrm>
-        <a:graphic>
-          <a:graphicData uri="http://schemas.openxmlformats.org/presentationml/2006/ole">
-            <mc:AlternateContent xmlns:mc="http://schemas.openxmlformats.org/markup-compatibility/2006">
-              <mc:Choice xmlns:v="urn:schemas-microsoft-com:vml" Requires="v">
-                <p:oleObj spid="_x0000_s1026" name="" r:id="rId4" imgW="254000" imgH="215900" progId="Equation.KSEE3">
-                  <p:embed/>
-                </p:oleObj>
-              </mc:Choice>
-              <mc:Fallback>
-                <p:oleObj name="" r:id="rId4" imgW="254000" imgH="215900" progId="Equation.KSEE3">
-                  <p:embed/>
-                  <p:pic>
-                    <p:nvPicPr>
-                      <p:cNvPr id="0" name="图片 1025"/>
-                      <p:cNvPicPr/>
-                      <p:nvPr/>
-                    </p:nvPicPr>
-                    <p:blipFill>
-                      <a:blip r:embed="rId5"/>
-                      <a:stretch>
-                        <a:fillRect/>
-                      </a:stretch>
-                    </p:blipFill>
-                    <p:spPr>
-                      <a:xfrm>
-                        <a:off x="6198235" y="4371340"/>
-                        <a:ext cx="405765" cy="344805"/>
-                      </a:xfrm>
-                      <a:prstGeom prst="rect">
-                        <a:avLst/>
-                      </a:prstGeom>
-                    </p:spPr>
-                  </p:pic>
-                </p:oleObj>
-              </mc:Fallback>
-            </mc:AlternateContent>
-          </a:graphicData>
-        </a:graphic>
-      </p:graphicFrame>
-      <p:graphicFrame>
-        <p:nvGraphicFramePr>
-          <p:cNvPr id="8" name="对象 7">
-            <a:hlinkClick r:id="" action="ppaction://ole?verb="/>
-          </p:cNvPr>
-          <p:cNvGraphicFramePr>
-            <a:graphicFrameLocks noChangeAspect="1"/>
-          </p:cNvGraphicFramePr>
-          <p:nvPr/>
-        </p:nvGraphicFramePr>
-        <p:xfrm>
-          <a:off x="7947978" y="4342448"/>
-          <a:ext cx="423545" cy="402590"/>
-        </p:xfrm>
-        <a:graphic>
-          <a:graphicData uri="http://schemas.openxmlformats.org/presentationml/2006/ole">
-            <mc:AlternateContent xmlns:mc="http://schemas.openxmlformats.org/markup-compatibility/2006">
-              <mc:Choice xmlns:v="urn:schemas-microsoft-com:vml" Requires="v">
-                <p:oleObj spid="_x0000_s1025" name="" r:id="rId6" imgW="254000" imgH="241300" progId="Equation.KSEE3">
-                  <p:embed/>
-                </p:oleObj>
-              </mc:Choice>
-              <mc:Fallback>
-                <p:oleObj name="" r:id="rId6" imgW="254000" imgH="241300" progId="Equation.KSEE3">
-                  <p:embed/>
-                  <p:pic>
-                    <p:nvPicPr>
-                      <p:cNvPr id="0" name="图片 1024"/>
-                      <p:cNvPicPr/>
-                      <p:nvPr/>
-                    </p:nvPicPr>
-                    <p:blipFill>
-                      <a:blip r:embed="rId7"/>
-                      <a:stretch>
-                        <a:fillRect/>
-                      </a:stretch>
-                    </p:blipFill>
-                    <p:spPr>
-                      <a:xfrm>
-                        <a:off x="7947978" y="4342448"/>
-                        <a:ext cx="423545" cy="402590"/>
-                      </a:xfrm>
-                      <a:prstGeom prst="rect">
-                        <a:avLst/>
-                      </a:prstGeom>
-                    </p:spPr>
-                  </p:pic>
-                </p:oleObj>
-              </mc:Fallback>
-            </mc:AlternateContent>
-          </a:graphicData>
-        </a:graphic>
-      </p:graphicFrame>
-      <p:graphicFrame>
-        <p:nvGraphicFramePr>
-          <p:cNvPr id="9" name="对象 8">
-            <a:hlinkClick r:id="" action="ppaction://ole?verb="/>
-          </p:cNvPr>
-          <p:cNvGraphicFramePr>
-            <a:graphicFrameLocks noChangeAspect="1"/>
-          </p:cNvGraphicFramePr>
-          <p:nvPr/>
-        </p:nvGraphicFramePr>
-        <p:xfrm>
-          <a:off x="9674860" y="4716145"/>
-          <a:ext cx="405765" cy="344805"/>
-        </p:xfrm>
-        <a:graphic>
-          <a:graphicData uri="http://schemas.openxmlformats.org/presentationml/2006/ole">
-            <mc:AlternateContent xmlns:mc="http://schemas.openxmlformats.org/markup-compatibility/2006">
-              <mc:Choice xmlns:v="urn:schemas-microsoft-com:vml" Requires="v">
-                <p:oleObj spid="_x0000_s1026" name="" r:id="rId8" imgW="254000" imgH="215900" progId="Equation.KSEE3">
-                  <p:embed/>
-                </p:oleObj>
-              </mc:Choice>
-              <mc:Fallback>
-                <p:oleObj name="" r:id="rId8" imgW="254000" imgH="215900" progId="Equation.KSEE3">
-                  <p:embed/>
-                  <p:pic>
-                    <p:nvPicPr>
-                      <p:cNvPr id="0" name="图片 1025"/>
-                      <p:cNvPicPr/>
-                      <p:nvPr/>
-                    </p:nvPicPr>
-                    <p:blipFill>
-                      <a:blip r:embed="rId5"/>
-                      <a:stretch>
-                        <a:fillRect/>
-                      </a:stretch>
-                    </p:blipFill>
-                    <p:spPr>
-                      <a:xfrm>
-                        <a:off x="9674860" y="4716145"/>
-                        <a:ext cx="405765" cy="344805"/>
-                      </a:xfrm>
-                      <a:prstGeom prst="rect">
-                        <a:avLst/>
-                      </a:prstGeom>
-                    </p:spPr>
-                  </p:pic>
-                </p:oleObj>
-              </mc:Fallback>
-            </mc:AlternateContent>
-          </a:graphicData>
-        </a:graphic>
-      </p:graphicFrame>
-      <p:graphicFrame>
-        <p:nvGraphicFramePr>
-          <p:cNvPr id="10" name="对象 9">
-            <a:hlinkClick r:id="" action="ppaction://ole?verb="/>
-          </p:cNvPr>
-          <p:cNvGraphicFramePr>
-            <a:graphicFrameLocks noChangeAspect="1"/>
-          </p:cNvGraphicFramePr>
-          <p:nvPr/>
-        </p:nvGraphicFramePr>
-        <p:xfrm>
-          <a:off x="2439035" y="4989195"/>
-          <a:ext cx="508000" cy="401955"/>
-        </p:xfrm>
-        <a:graphic>
-          <a:graphicData uri="http://schemas.openxmlformats.org/presentationml/2006/ole">
-            <mc:AlternateContent xmlns:mc="http://schemas.openxmlformats.org/markup-compatibility/2006">
-              <mc:Choice xmlns:v="urn:schemas-microsoft-com:vml" Requires="v">
-                <p:oleObj spid="_x0000_s11" name="" r:id="rId9" imgW="304800" imgH="241300" progId="Equation.KSEE3">
-                  <p:embed/>
-                </p:oleObj>
-              </mc:Choice>
-              <mc:Fallback>
-                <p:oleObj name="" r:id="rId9" imgW="304800" imgH="241300" progId="Equation.KSEE3">
-                  <p:embed/>
-                  <p:pic>
-                    <p:nvPicPr>
-                      <p:cNvPr id="0" name="图片 1024"/>
-                      <p:cNvPicPr/>
-                      <p:nvPr/>
-                    </p:nvPicPr>
-                    <p:blipFill>
-                      <a:blip r:embed="rId3"/>
-                      <a:stretch>
-                        <a:fillRect/>
-                      </a:stretch>
-                    </p:blipFill>
-                    <p:spPr>
-                      <a:xfrm>
-                        <a:off x="2439035" y="4989195"/>
-                        <a:ext cx="508000" cy="401955"/>
-                      </a:xfrm>
-                      <a:prstGeom prst="rect">
-                        <a:avLst/>
-                      </a:prstGeom>
-                    </p:spPr>
-                  </p:pic>
-                </p:oleObj>
-              </mc:Fallback>
-            </mc:AlternateContent>
-          </a:graphicData>
-        </a:graphic>
-      </p:graphicFrame>
-      <p:graphicFrame>
-        <p:nvGraphicFramePr>
-          <p:cNvPr id="12" name="对象 11">
-            <a:hlinkClick r:id="" action="ppaction://ole?verb="/>
-          </p:cNvPr>
-          <p:cNvGraphicFramePr>
-            <a:graphicFrameLocks noChangeAspect="1"/>
-          </p:cNvGraphicFramePr>
-          <p:nvPr/>
-        </p:nvGraphicFramePr>
-        <p:xfrm>
-          <a:off x="5238750" y="4989195"/>
-          <a:ext cx="508000" cy="401955"/>
-        </p:xfrm>
-        <a:graphic>
-          <a:graphicData uri="http://schemas.openxmlformats.org/presentationml/2006/ole">
-            <mc:AlternateContent xmlns:mc="http://schemas.openxmlformats.org/markup-compatibility/2006">
-              <mc:Choice xmlns:v="urn:schemas-microsoft-com:vml" Requires="v">
-                <p:oleObj spid="_x0000_s13" name="" r:id="rId10" imgW="304800" imgH="241300" progId="Equation.KSEE3">
-                  <p:embed/>
-                </p:oleObj>
-              </mc:Choice>
-              <mc:Fallback>
-                <p:oleObj name="" r:id="rId10" imgW="304800" imgH="241300" progId="Equation.KSEE3">
-                  <p:embed/>
-                  <p:pic>
-                    <p:nvPicPr>
-                      <p:cNvPr id="0" name="图片 1024"/>
-                      <p:cNvPicPr/>
-                      <p:nvPr/>
-                    </p:nvPicPr>
-                    <p:blipFill>
-                      <a:blip r:embed="rId3"/>
-                      <a:stretch>
-                        <a:fillRect/>
-                      </a:stretch>
-                    </p:blipFill>
-                    <p:spPr>
-                      <a:xfrm>
-                        <a:off x="5238750" y="4989195"/>
-                        <a:ext cx="508000" cy="401955"/>
-                      </a:xfrm>
-                      <a:prstGeom prst="rect">
-                        <a:avLst/>
-                      </a:prstGeom>
-                    </p:spPr>
-                  </p:pic>
-                </p:oleObj>
-              </mc:Fallback>
-            </mc:AlternateContent>
-          </a:graphicData>
-        </a:graphic>
-      </p:graphicFrame>
     </p:spTree>
     <p:custDataLst>
-      <p:tags r:id="rId11"/>
+      <p:tags r:id="rId2"/>
     </p:custDataLst>
   </p:cSld>
   <p:clrMapOvr>
@@ -12358,14 +11365,7 @@
         <p:cNvGrpSpPr/>
         <p:nvPr/>
       </p:nvGrpSpPr>
-      <p:grpSpPr>
-        <a:xfrm>
-          <a:off x="0" y="0"/>
-          <a:ext cx="0" cy="0"/>
-          <a:chOff x="0" y="0"/>
-          <a:chExt cx="0" cy="0"/>
-        </a:xfrm>
-      </p:grpSpPr>
+      <p:grpSpPr/>
       <p:sp>
         <p:nvSpPr>
           <p:cNvPr id="2" name="标题 1"/>
@@ -12384,7 +11384,6 @@
         </p:spPr>
         <p:txBody>
           <a:bodyPr/>
-          <a:lstStyle/>
           <a:p>
             <a:r>
               <a:rPr lang="en-US" altLang="zh-CN"/>
@@ -12438,10 +11437,9 @@
           <a:bodyPr wrap="square" rtlCol="0">
             <a:spAutoFit/>
           </a:bodyPr>
-          <a:lstStyle/>
-          <a:p>
-            <a:r>
-              <a:rPr lang="zh-CN" altLang="en-US" sz="2000" dirty="0">
+          <a:p>
+            <a:r>
+              <a:rPr lang="zh-CN" altLang="en-US" sz="2000">
                 <a:latin typeface="楷体" panose="02010609060101010101" charset="-122"/>
                 <a:ea typeface="楷体" panose="02010609060101010101" charset="-122"/>
                 <a:cs typeface="楷体" panose="02010609060101010101" charset="-122"/>
@@ -12449,7 +11447,7 @@
               <a:t>子密码段长度的选择：</a:t>
             </a:r>
             <a:r>
-              <a:rPr lang="en-US" altLang="zh-CN" sz="2000" dirty="0">
+              <a:rPr lang="en-US" altLang="zh-CN" sz="2000">
                 <a:latin typeface="楷体" panose="02010609060101010101" charset="-122"/>
                 <a:ea typeface="楷体" panose="02010609060101010101" charset="-122"/>
                 <a:cs typeface="楷体" panose="02010609060101010101" charset="-122"/>
@@ -12457,7 +11455,7 @@
               <a:t>2 &lt;</a:t>
             </a:r>
             <a:r>
-              <a:rPr lang="zh-CN" altLang="en-US" sz="2000" dirty="0">
+              <a:rPr lang="zh-CN" altLang="en-US" sz="2000">
                 <a:latin typeface="楷体" panose="02010609060101010101" charset="-122"/>
                 <a:ea typeface="楷体" panose="02010609060101010101" charset="-122"/>
                 <a:cs typeface="楷体" panose="02010609060101010101" charset="-122"/>
@@ -12465,20 +11463,12 @@
               <a:t> ri &lt; </a:t>
             </a:r>
             <a:r>
-              <a:rPr lang="en-US" altLang="zh-CN" sz="2000" dirty="0">
+              <a:rPr lang="en-US" altLang="zh-CN" sz="2000">
                 <a:latin typeface="楷体" panose="02010609060101010101" charset="-122"/>
                 <a:ea typeface="楷体" panose="02010609060101010101" charset="-122"/>
                 <a:cs typeface="楷体" panose="02010609060101010101" charset="-122"/>
               </a:rPr>
-              <a:t>6  (</a:t>
-            </a:r>
-            <a:r>
-              <a:rPr lang="zh-CN" altLang="en-US" sz="2000" dirty="0">
-                <a:latin typeface="楷体" panose="02010609060101010101" charset="-122"/>
-                <a:ea typeface="楷体" panose="02010609060101010101" charset="-122"/>
-                <a:cs typeface="楷体" panose="02010609060101010101" charset="-122"/>
-              </a:rPr>
-              <a:t>太小这个子密码段没有意义</a:t>
+              <a:t>7  (</a:t>
             </a:r>
             <a:r>
               <a:rPr lang="zh-CN" altLang="en-US" sz="2000">
@@ -12486,25 +11476,17 @@
                 <a:ea typeface="楷体" panose="02010609060101010101" charset="-122"/>
                 <a:cs typeface="楷体" panose="02010609060101010101" charset="-122"/>
               </a:rPr>
-              <a:t>，太大花费</a:t>
-            </a:r>
-            <a:r>
-              <a:rPr lang="zh-CN" altLang="en-US" sz="2000" dirty="0">
-                <a:latin typeface="楷体" panose="02010609060101010101" charset="-122"/>
-                <a:ea typeface="楷体" panose="02010609060101010101" charset="-122"/>
-                <a:cs typeface="楷体" panose="02010609060101010101" charset="-122"/>
-              </a:rPr>
-              <a:t>时间过长</a:t>
-            </a:r>
-            <a:r>
-              <a:rPr lang="en-US" altLang="zh-CN" sz="2000" dirty="0">
+              <a:t>太小这个子密码段没有意义，太长花费时间过长</a:t>
+            </a:r>
+            <a:r>
+              <a:rPr lang="en-US" altLang="zh-CN" sz="2000">
                 <a:latin typeface="楷体" panose="02010609060101010101" charset="-122"/>
                 <a:ea typeface="楷体" panose="02010609060101010101" charset="-122"/>
                 <a:cs typeface="楷体" panose="02010609060101010101" charset="-122"/>
               </a:rPr>
               <a:t>)</a:t>
             </a:r>
-            <a:endParaRPr lang="en-US" altLang="zh-CN" sz="2000" dirty="0">
+            <a:endParaRPr lang="en-US" altLang="zh-CN" sz="2000">
               <a:latin typeface="楷体" panose="02010609060101010101" charset="-122"/>
               <a:ea typeface="楷体" panose="02010609060101010101" charset="-122"/>
               <a:cs typeface="楷体" panose="02010609060101010101" charset="-122"/>
@@ -12515,7 +11497,7 @@
       <p:graphicFrame>
         <p:nvGraphicFramePr>
           <p:cNvPr id="5" name="对象 4">
-            <a:hlinkClick r:id="" action="ppaction://ole?verb=0"/>
+            <a:hlinkClick r:id="" action="ppaction://ole?verb="/>
           </p:cNvPr>
           <p:cNvGraphicFramePr>
             <a:graphicFrameLocks noChangeAspect="1"/>
@@ -12530,7 +11512,7 @@
           <a:graphicData uri="http://schemas.openxmlformats.org/presentationml/2006/ole">
             <mc:AlternateContent xmlns:mc="http://schemas.openxmlformats.org/markup-compatibility/2006">
               <mc:Choice xmlns:v="urn:schemas-microsoft-com:vml" Requires="v">
-                <p:oleObj spid="_x0000_s2072" name="" r:id="rId2" imgW="673100" imgH="241300" progId="Equation.KSEE3">
+                <p:oleObj spid="_x0000_s2049" name="" r:id="rId2" imgW="673100" imgH="241300" progId="Equation.KSEE3">
                   <p:embed/>
                 </p:oleObj>
               </mc:Choice>
@@ -12568,7 +11550,7 @@
       <p:graphicFrame>
         <p:nvGraphicFramePr>
           <p:cNvPr id="6" name="对象 5">
-            <a:hlinkClick r:id="" action="ppaction://ole?verb=0"/>
+            <a:hlinkClick r:id="" action="ppaction://ole?verb="/>
           </p:cNvPr>
           <p:cNvGraphicFramePr>
             <a:graphicFrameLocks noChangeAspect="1"/>
@@ -12583,7 +11565,7 @@
           <a:graphicData uri="http://schemas.openxmlformats.org/presentationml/2006/ole">
             <mc:AlternateContent xmlns:mc="http://schemas.openxmlformats.org/markup-compatibility/2006">
               <mc:Choice xmlns:v="urn:schemas-microsoft-com:vml" Requires="v">
-                <p:oleObj spid="_x0000_s2073" name="" r:id="rId4" imgW="685800" imgH="241300" progId="Equation.KSEE3">
+                <p:oleObj spid="_x0000_s7" name="" r:id="rId4" imgW="685800" imgH="241300" progId="Equation.KSEE3">
                   <p:embed/>
                 </p:oleObj>
               </mc:Choice>
@@ -12621,7 +11603,7 @@
       <p:graphicFrame>
         <p:nvGraphicFramePr>
           <p:cNvPr id="8" name="对象 7">
-            <a:hlinkClick r:id="" action="ppaction://ole?verb=0"/>
+            <a:hlinkClick r:id="" action="ppaction://ole?verb="/>
           </p:cNvPr>
           <p:cNvGraphicFramePr>
             <a:graphicFrameLocks noChangeAspect="1"/>
@@ -12636,7 +11618,7 @@
           <a:graphicData uri="http://schemas.openxmlformats.org/presentationml/2006/ole">
             <mc:AlternateContent xmlns:mc="http://schemas.openxmlformats.org/markup-compatibility/2006">
               <mc:Choice xmlns:v="urn:schemas-microsoft-com:vml" Requires="v">
-                <p:oleObj spid="_x0000_s2074" name="" r:id="rId6" imgW="673100" imgH="241300" progId="Equation.KSEE3">
+                <p:oleObj spid="_x0000_s9" name="" r:id="rId6" imgW="673100" imgH="241300" progId="Equation.KSEE3">
                   <p:embed/>
                 </p:oleObj>
               </mc:Choice>
@@ -12707,14 +11689,7 @@
         <p:cNvGrpSpPr/>
         <p:nvPr/>
       </p:nvGrpSpPr>
-      <p:grpSpPr>
-        <a:xfrm>
-          <a:off x="0" y="0"/>
-          <a:ext cx="0" cy="0"/>
-          <a:chOff x="0" y="0"/>
-          <a:chExt cx="0" cy="0"/>
-        </a:xfrm>
-      </p:grpSpPr>
+      <p:grpSpPr/>
       <p:pic>
         <p:nvPicPr>
           <p:cNvPr id="9" name="图片 8"/>
@@ -12853,14 +11828,7 @@
         <p:cNvGrpSpPr/>
         <p:nvPr/>
       </p:nvGrpSpPr>
-      <p:grpSpPr>
-        <a:xfrm>
-          <a:off x="0" y="0"/>
-          <a:ext cx="0" cy="0"/>
-          <a:chOff x="0" y="0"/>
-          <a:chExt cx="0" cy="0"/>
-        </a:xfrm>
-      </p:grpSpPr>
+      <p:grpSpPr/>
       <p:sp>
         <p:nvSpPr>
           <p:cNvPr id="5" name="标题 4"/>
@@ -12957,14 +11925,7 @@
         <p:cNvGrpSpPr/>
         <p:nvPr/>
       </p:nvGrpSpPr>
-      <p:grpSpPr>
-        <a:xfrm>
-          <a:off x="0" y="0"/>
-          <a:ext cx="0" cy="0"/>
-          <a:chOff x="0" y="0"/>
-          <a:chExt cx="0" cy="0"/>
-        </a:xfrm>
-      </p:grpSpPr>
+      <p:grpSpPr/>
       <p:sp>
         <p:nvSpPr>
           <p:cNvPr id="2" name="文本框 1"/>
@@ -12985,7 +11946,6 @@
           <a:bodyPr wrap="square" rtlCol="0" anchor="t">
             <a:spAutoFit/>
           </a:bodyPr>
-          <a:lstStyle/>
           <a:p>
             <a:r>
               <a:rPr lang="zh-CN" altLang="en-US" sz="2400">
@@ -13099,7 +12059,6 @@
           <a:bodyPr>
             <a:normAutofit/>
           </a:bodyPr>
-          <a:lstStyle/>
           <a:p>
             <a:pPr algn="l">
               <a:buClrTx/>
@@ -13150,14 +12109,7 @@
         <p:cNvGrpSpPr/>
         <p:nvPr/>
       </p:nvGrpSpPr>
-      <p:grpSpPr>
-        <a:xfrm>
-          <a:off x="0" y="0"/>
-          <a:ext cx="0" cy="0"/>
-          <a:chOff x="0" y="0"/>
-          <a:chExt cx="0" cy="0"/>
-        </a:xfrm>
-      </p:grpSpPr>
+      <p:grpSpPr/>
       <p:pic>
         <p:nvPicPr>
           <p:cNvPr id="4" name="图片 3"/>
@@ -13218,14 +12170,7 @@
         <p:cNvGrpSpPr/>
         <p:nvPr/>
       </p:nvGrpSpPr>
-      <p:grpSpPr>
-        <a:xfrm>
-          <a:off x="0" y="0"/>
-          <a:ext cx="0" cy="0"/>
-          <a:chOff x="0" y="0"/>
-          <a:chExt cx="0" cy="0"/>
-        </a:xfrm>
-      </p:grpSpPr>
+      <p:grpSpPr/>
       <p:pic>
         <p:nvPicPr>
           <p:cNvPr id="6" name="图片 5"/>
@@ -13294,7 +12239,6 @@
           <a:bodyPr wrap="square" rtlCol="0">
             <a:spAutoFit/>
           </a:bodyPr>
-          <a:lstStyle/>
           <a:p>
             <a:pPr algn="l">
               <a:buClrTx/>
@@ -13353,7 +12297,6 @@
           <a:bodyPr wrap="square" rtlCol="0">
             <a:spAutoFit/>
           </a:bodyPr>
-          <a:lstStyle/>
           <a:p>
             <a:pPr algn="l">
               <a:buClrTx/>
@@ -13396,7 +12339,6 @@
           <a:bodyPr wrap="square" rtlCol="0">
             <a:spAutoFit/>
           </a:bodyPr>
-          <a:lstStyle/>
           <a:p>
             <a:pPr algn="l">
               <a:buClrTx/>
@@ -13455,14 +12397,7 @@
         <p:cNvGrpSpPr/>
         <p:nvPr/>
       </p:nvGrpSpPr>
-      <p:grpSpPr>
-        <a:xfrm>
-          <a:off x="0" y="0"/>
-          <a:ext cx="0" cy="0"/>
-          <a:chOff x="0" y="0"/>
-          <a:chExt cx="0" cy="0"/>
-        </a:xfrm>
-      </p:grpSpPr>
+      <p:grpSpPr/>
       <p:sp>
         <p:nvSpPr>
           <p:cNvPr id="3" name="文本框 2"/>
@@ -13483,7 +12418,6 @@
           <a:bodyPr wrap="square" rtlCol="0" anchor="t">
             <a:spAutoFit/>
           </a:bodyPr>
-          <a:lstStyle/>
           <a:p>
             <a:pPr algn="l">
               <a:buClrTx/>
@@ -13491,14 +12425,14 @@
               <a:buNone/>
             </a:pPr>
             <a:r>
-              <a:rPr lang="zh-CN" altLang="en-US" sz="2400" dirty="0">
+              <a:rPr lang="zh-CN" altLang="en-US" sz="2400">
                 <a:latin typeface="楷体" panose="02010609060101010101" charset="-122"/>
                 <a:ea typeface="楷体" panose="02010609060101010101" charset="-122"/>
                 <a:cs typeface="楷体" panose="02010609060101010101" charset="-122"/>
               </a:rPr>
               <a:t>c) 密钥加变换。</a:t>
             </a:r>
-            <a:endParaRPr lang="zh-CN" altLang="en-US" sz="2400" dirty="0">
+            <a:endParaRPr lang="zh-CN" altLang="en-US" sz="2400">
               <a:latin typeface="楷体" panose="02010609060101010101" charset="-122"/>
               <a:ea typeface="楷体" panose="02010609060101010101" charset="-122"/>
               <a:cs typeface="楷体" panose="02010609060101010101" charset="-122"/>
@@ -13512,7 +12446,7 @@
               <a:buNone/>
             </a:pPr>
             <a:r>
-              <a:rPr lang="en-US" altLang="zh-CN" sz="2000" dirty="0">
+              <a:rPr lang="en-US" altLang="zh-CN" sz="2000">
                 <a:latin typeface="楷体" panose="02010609060101010101" charset="-122"/>
                 <a:ea typeface="楷体" panose="02010609060101010101" charset="-122"/>
                 <a:cs typeface="楷体" panose="02010609060101010101" charset="-122"/>
@@ -13520,56 +12454,56 @@
               <a:t>	</a:t>
             </a:r>
             <a:r>
-              <a:rPr lang="zh-CN" altLang="en-US" sz="2000" dirty="0">
+              <a:rPr lang="zh-CN" altLang="en-US" sz="2000">
                 <a:latin typeface="楷体" panose="02010609060101010101" charset="-122"/>
                 <a:ea typeface="楷体" panose="02010609060101010101" charset="-122"/>
                 <a:cs typeface="楷体" panose="02010609060101010101" charset="-122"/>
               </a:rPr>
-              <a:t>轮密钥加：通过密钥调度算法生成32bits轮密钥RK，将轮密钥划分为U,V两部分，将U,V两部分分别与密文状态值进行异或</a:t>
-            </a:r>
-            <a:endParaRPr lang="zh-CN" altLang="en-US" sz="2400" dirty="0">
+              <a:t>轮密钥加：通过密钥调度算法生成32bits轮密钥RK，将轮密钥划分为U,V两部分(16 bits)，将U,V两部分分别与密文状态值进行异或</a:t>
+            </a:r>
+            <a:endParaRPr lang="zh-CN" altLang="en-US" sz="2400">
               <a:latin typeface="楷体" panose="02010609060101010101" charset="-122"/>
               <a:ea typeface="楷体" panose="02010609060101010101" charset="-122"/>
               <a:cs typeface="楷体" panose="02010609060101010101" charset="-122"/>
             </a:endParaRPr>
           </a:p>
           <a:p>
-            <a:endParaRPr lang="zh-CN" altLang="en-US" sz="2000" dirty="0">
+            <a:endParaRPr lang="zh-CN" altLang="en-US" sz="2000">
               <a:latin typeface="+mn-ea"/>
               <a:cs typeface="+mn-ea"/>
             </a:endParaRPr>
           </a:p>
           <a:p>
             <a:r>
-              <a:rPr lang="en-US" altLang="zh-CN" sz="2000" dirty="0">
+              <a:rPr lang="en-US" altLang="zh-CN" sz="2000">
                 <a:latin typeface="+mn-ea"/>
                 <a:cs typeface="+mn-ea"/>
               </a:rPr>
               <a:t>		</a:t>
             </a:r>
             <a:r>
-              <a:rPr lang="zh-CN" altLang="en-US" sz="2000" dirty="0">
+              <a:rPr lang="zh-CN" altLang="en-US" sz="2000">
                 <a:latin typeface="楷体" panose="02010609060101010101" charset="-122"/>
                 <a:ea typeface="楷体" panose="02010609060101010101" charset="-122"/>
                 <a:cs typeface="楷体" panose="02010609060101010101" charset="-122"/>
               </a:rPr>
               <a:t>对于GIFT-64: </a:t>
             </a:r>
-            <a:endParaRPr lang="zh-CN" altLang="en-US" sz="2000" dirty="0">
+            <a:endParaRPr lang="zh-CN" altLang="en-US" sz="2000">
               <a:latin typeface="楷体" panose="02010609060101010101" charset="-122"/>
               <a:ea typeface="楷体" panose="02010609060101010101" charset="-122"/>
               <a:cs typeface="楷体" panose="02010609060101010101" charset="-122"/>
             </a:endParaRPr>
           </a:p>
           <a:p>
-            <a:endParaRPr lang="zh-CN" altLang="en-US" sz="2000" dirty="0">
+            <a:endParaRPr lang="zh-CN" altLang="en-US" sz="2000">
               <a:latin typeface="楷体" panose="02010609060101010101" charset="-122"/>
               <a:ea typeface="楷体" panose="02010609060101010101" charset="-122"/>
               <a:cs typeface="楷体" panose="02010609060101010101" charset="-122"/>
             </a:endParaRPr>
           </a:p>
           <a:p>
-            <a:endParaRPr lang="zh-CN" altLang="en-US" sz="2000" dirty="0">
+            <a:endParaRPr lang="zh-CN" altLang="en-US" sz="2000">
               <a:latin typeface="楷体" panose="02010609060101010101" charset="-122"/>
               <a:ea typeface="楷体" panose="02010609060101010101" charset="-122"/>
               <a:cs typeface="楷体" panose="02010609060101010101" charset="-122"/>
@@ -13582,21 +12516,21 @@
               <a:buNone/>
             </a:pPr>
             <a:r>
-              <a:rPr lang="zh-CN" altLang="en-US" sz="2000" dirty="0">
+              <a:rPr lang="zh-CN" altLang="en-US" sz="2000">
                 <a:latin typeface="楷体" panose="02010609060101010101" charset="-122"/>
                 <a:ea typeface="楷体" panose="02010609060101010101" charset="-122"/>
                 <a:cs typeface="楷体" panose="02010609060101010101" charset="-122"/>
               </a:rPr>
               <a:t>		对于GIFT-128：</a:t>
             </a:r>
-            <a:endParaRPr lang="zh-CN" altLang="en-US" sz="2000" dirty="0">
+            <a:endParaRPr lang="zh-CN" altLang="en-US" sz="2000">
               <a:latin typeface="楷体" panose="02010609060101010101" charset="-122"/>
               <a:ea typeface="楷体" panose="02010609060101010101" charset="-122"/>
               <a:cs typeface="楷体" panose="02010609060101010101" charset="-122"/>
             </a:endParaRPr>
           </a:p>
           <a:p>
-            <a:endParaRPr lang="zh-CN" altLang="en-US" sz="2000" dirty="0">
+            <a:endParaRPr lang="zh-CN" altLang="en-US" sz="2000">
               <a:latin typeface="楷体" panose="02010609060101010101" charset="-122"/>
               <a:ea typeface="楷体" panose="02010609060101010101" charset="-122"/>
               <a:cs typeface="楷体" panose="02010609060101010101" charset="-122"/>
@@ -13609,14 +12543,14 @@
               <a:buNone/>
             </a:pPr>
             <a:r>
-              <a:rPr lang="zh-CN" altLang="en-US" sz="2000" dirty="0">
+              <a:rPr lang="zh-CN" altLang="en-US" sz="2000">
                 <a:latin typeface="楷体" panose="02010609060101010101" charset="-122"/>
                 <a:ea typeface="楷体" panose="02010609060101010101" charset="-122"/>
                 <a:cs typeface="楷体" panose="02010609060101010101" charset="-122"/>
               </a:rPr>
               <a:t>      		密钥状态的更新方式如下（轮密钥生成在密钥状态更新之前）：</a:t>
             </a:r>
-            <a:endParaRPr lang="zh-CN" altLang="en-US" sz="2000" dirty="0">
+            <a:endParaRPr lang="zh-CN" altLang="en-US" sz="2000">
               <a:latin typeface="楷体" panose="02010609060101010101" charset="-122"/>
               <a:ea typeface="楷体" panose="02010609060101010101" charset="-122"/>
               <a:cs typeface="楷体" panose="02010609060101010101" charset="-122"/>
@@ -13629,14 +12563,14 @@
               <a:buNone/>
             </a:pPr>
             <a:r>
-              <a:rPr lang="zh-CN" altLang="en-US" sz="2000" dirty="0">
+              <a:rPr lang="zh-CN" altLang="en-US" sz="2000">
                 <a:latin typeface="楷体" panose="02010609060101010101" charset="-122"/>
                 <a:ea typeface="楷体" panose="02010609060101010101" charset="-122"/>
                 <a:cs typeface="楷体" panose="02010609060101010101" charset="-122"/>
               </a:rPr>
               <a:t>		</a:t>
             </a:r>
-            <a:endParaRPr lang="zh-CN" altLang="en-US" sz="2000" dirty="0">
+            <a:endParaRPr lang="zh-CN" altLang="en-US" sz="2000">
               <a:latin typeface="楷体" panose="02010609060101010101" charset="-122"/>
               <a:ea typeface="楷体" panose="02010609060101010101" charset="-122"/>
               <a:cs typeface="楷体" panose="02010609060101010101" charset="-122"/>
@@ -13649,14 +12583,14 @@
               <a:buNone/>
             </a:pPr>
             <a:r>
-              <a:rPr lang="zh-CN" altLang="en-US" sz="2000" dirty="0">
+              <a:rPr lang="zh-CN" altLang="en-US" sz="2000">
                 <a:latin typeface="楷体" panose="02010609060101010101" charset="-122"/>
                 <a:ea typeface="楷体" panose="02010609060101010101" charset="-122"/>
                 <a:cs typeface="楷体" panose="02010609060101010101" charset="-122"/>
               </a:rPr>
               <a:t>	</a:t>
             </a:r>
-            <a:endParaRPr lang="zh-CN" altLang="en-US" sz="2000" dirty="0">
+            <a:endParaRPr lang="zh-CN" altLang="en-US" sz="2000">
               <a:latin typeface="楷体" panose="02010609060101010101" charset="-122"/>
               <a:ea typeface="楷体" panose="02010609060101010101" charset="-122"/>
               <a:cs typeface="楷体" panose="02010609060101010101" charset="-122"/>
@@ -13669,14 +12603,14 @@
               <a:buNone/>
             </a:pPr>
             <a:r>
-              <a:rPr lang="zh-CN" altLang="en-US" sz="2000" dirty="0">
+              <a:rPr lang="zh-CN" altLang="en-US" sz="2000">
                 <a:latin typeface="楷体" panose="02010609060101010101" charset="-122"/>
                 <a:ea typeface="楷体" panose="02010609060101010101" charset="-122"/>
                 <a:cs typeface="楷体" panose="02010609060101010101" charset="-122"/>
               </a:rPr>
               <a:t>    	轮常数加：将单比特“1”和一个6比特常数C = c5c4c3c2c1c0（初始为0）分别与密文状态值的第n-1(GIFT-64取63，GIFT128取127),23,19,15,11,7,3个比特进行异或。</a:t>
             </a:r>
-            <a:endParaRPr lang="zh-CN" altLang="en-US" sz="2000" dirty="0">
+            <a:endParaRPr lang="zh-CN" altLang="en-US" sz="2000">
               <a:latin typeface="楷体" panose="02010609060101010101" charset="-122"/>
               <a:ea typeface="楷体" panose="02010609060101010101" charset="-122"/>
               <a:cs typeface="楷体" panose="02010609060101010101" charset="-122"/>
@@ -13688,7 +12622,7 @@
               <a:buSzTx/>
               <a:buNone/>
             </a:pPr>
-            <a:endParaRPr lang="zh-CN" altLang="en-US" sz="2000" dirty="0">
+            <a:endParaRPr lang="zh-CN" altLang="en-US" sz="2000">
               <a:latin typeface="楷体" panose="02010609060101010101" charset="-122"/>
               <a:ea typeface="楷体" panose="02010609060101010101" charset="-122"/>
               <a:cs typeface="楷体" panose="02010609060101010101" charset="-122"/>
@@ -13836,7 +12770,6 @@
           <a:bodyPr wrap="square" rtlCol="0">
             <a:spAutoFit/>
           </a:bodyPr>
-          <a:lstStyle/>
           <a:p>
             <a:r>
               <a:rPr lang="zh-CN" altLang="en-US" sz="2000">
@@ -13890,14 +12823,7 @@
         <p:cNvGrpSpPr/>
         <p:nvPr/>
       </p:nvGrpSpPr>
-      <p:grpSpPr>
-        <a:xfrm>
-          <a:off x="0" y="0"/>
-          <a:ext cx="0" cy="0"/>
-          <a:chOff x="0" y="0"/>
-          <a:chExt cx="0" cy="0"/>
-        </a:xfrm>
-      </p:grpSpPr>
+      <p:grpSpPr/>
       <p:sp>
         <p:nvSpPr>
           <p:cNvPr id="5" name="标题 4"/>
@@ -13913,7 +12839,6 @@
           <a:bodyPr>
             <a:normAutofit fontScale="90000"/>
           </a:bodyPr>
-          <a:lstStyle/>
           <a:p>
             <a:r>
               <a:rPr lang="zh-CN" altLang="en-US" sz="3555"/>
@@ -13966,14 +12891,7 @@
         <p:cNvGrpSpPr/>
         <p:nvPr/>
       </p:nvGrpSpPr>
-      <p:grpSpPr>
-        <a:xfrm>
-          <a:off x="0" y="0"/>
-          <a:ext cx="0" cy="0"/>
-          <a:chOff x="0" y="0"/>
-          <a:chExt cx="0" cy="0"/>
-        </a:xfrm>
-      </p:grpSpPr>
+      <p:grpSpPr/>
       <p:sp>
         <p:nvSpPr>
           <p:cNvPr id="4" name="标题 3"/>
@@ -13992,7 +12910,6 @@
         </p:spPr>
         <p:txBody>
           <a:bodyPr/>
-          <a:lstStyle/>
           <a:p>
             <a:r>
               <a:rPr lang="en-US" altLang="zh-CN"/>
@@ -14062,14 +12979,7 @@
         <p:cNvGrpSpPr/>
         <p:nvPr/>
       </p:nvGrpSpPr>
-      <p:grpSpPr>
-        <a:xfrm>
-          <a:off x="0" y="0"/>
-          <a:ext cx="0" cy="0"/>
-          <a:chOff x="0" y="0"/>
-          <a:chExt cx="0" cy="0"/>
-        </a:xfrm>
-      </p:grpSpPr>
+      <p:grpSpPr/>
       <p:sp>
         <p:nvSpPr>
           <p:cNvPr id="5" name="圆角矩形 4"/>
@@ -14104,7 +13014,6 @@
         </p:style>
         <p:txBody>
           <a:bodyPr rtlCol="0" anchor="ctr"/>
-          <a:lstStyle/>
           <a:p>
             <a:pPr algn="ctr"/>
             <a:endParaRPr lang="zh-CN" altLang="en-US"/>
@@ -14153,7 +13062,6 @@
         </p:style>
         <p:txBody>
           <a:bodyPr rtlCol="0" anchor="ctr"/>
-          <a:lstStyle/>
           <a:p>
             <a:pPr algn="ctr"/>
             <a:r>
@@ -14206,7 +13114,6 @@
         </p:style>
         <p:txBody>
           <a:bodyPr rtlCol="0" anchor="ctr"/>
-          <a:lstStyle/>
           <a:p>
             <a:pPr algn="ctr"/>
             <a:r>
@@ -14296,7 +13203,6 @@
         </p:style>
         <p:txBody>
           <a:bodyPr rtlCol="0" anchor="ctr"/>
-          <a:lstStyle/>
           <a:p>
             <a:pPr algn="ctr"/>
             <a:endParaRPr lang="zh-CN" altLang="en-US"/>
@@ -14345,7 +13251,6 @@
         </p:style>
         <p:txBody>
           <a:bodyPr rtlCol="0" anchor="ctr"/>
-          <a:lstStyle/>
           <a:p>
             <a:pPr algn="ctr"/>
             <a:r>
@@ -14398,7 +13303,6 @@
         </p:style>
         <p:txBody>
           <a:bodyPr rtlCol="0" anchor="ctr"/>
-          <a:lstStyle/>
           <a:p>
             <a:pPr algn="ctr"/>
             <a:r>
@@ -14470,7 +13374,6 @@
           <a:bodyPr wrap="square" rtlCol="0">
             <a:spAutoFit/>
           </a:bodyPr>
-          <a:lstStyle/>
           <a:p>
             <a:r>
               <a:rPr lang="en-US" altLang="zh-CN"/>
@@ -14500,7 +13403,6 @@
           <a:bodyPr wrap="square" rtlCol="0">
             <a:spAutoFit/>
           </a:bodyPr>
-          <a:lstStyle/>
           <a:p>
             <a:r>
               <a:rPr lang="en-US" altLang="zh-CN"/>
@@ -14518,7 +13420,7 @@
         </p:nvSpPr>
         <p:spPr>
           <a:xfrm>
-            <a:off x="896937" y="3214803"/>
+            <a:off x="1327785" y="3534410"/>
             <a:ext cx="2085340" cy="368300"/>
           </a:xfrm>
           <a:prstGeom prst="rect">
@@ -14530,13 +13432,12 @@
           <a:bodyPr wrap="square" rtlCol="0">
             <a:spAutoFit/>
           </a:bodyPr>
-          <a:lstStyle/>
-          <a:p>
-            <a:r>
-              <a:rPr lang="en-US" altLang="zh-CN" dirty="0"/>
+          <a:p>
+            <a:r>
+              <a:rPr lang="en-US" altLang="zh-CN"/>
               <a:t>Outer-MILP</a:t>
             </a:r>
-            <a:endParaRPr lang="en-US" altLang="zh-CN" dirty="0"/>
+            <a:endParaRPr lang="en-US" altLang="zh-CN"/>
           </a:p>
         </p:txBody>
       </p:sp>
@@ -14548,7 +13449,7 @@
         </p:nvSpPr>
         <p:spPr>
           <a:xfrm>
-            <a:off x="6210299" y="3193267"/>
+            <a:off x="6713220" y="3534410"/>
             <a:ext cx="2526665" cy="368300"/>
           </a:xfrm>
           <a:prstGeom prst="rect">
@@ -14560,13 +13461,12 @@
           <a:bodyPr wrap="square" rtlCol="0">
             <a:spAutoFit/>
           </a:bodyPr>
-          <a:lstStyle/>
-          <a:p>
-            <a:r>
-              <a:rPr lang="en-US" altLang="zh-CN" dirty="0"/>
+          <a:p>
+            <a:r>
+              <a:rPr lang="en-US" altLang="zh-CN"/>
               <a:t>Inner-MILP</a:t>
             </a:r>
-            <a:endParaRPr lang="en-US" altLang="zh-CN" dirty="0"/>
+            <a:endParaRPr lang="en-US" altLang="zh-CN"/>
           </a:p>
         </p:txBody>
       </p:sp>
@@ -14604,7 +13504,6 @@
         </p:style>
         <p:txBody>
           <a:bodyPr rtlCol="0" anchor="ctr"/>
-          <a:lstStyle/>
           <a:p>
             <a:pPr algn="ctr"/>
             <a:endParaRPr lang="zh-CN" altLang="en-US"/>
@@ -14653,7 +13552,6 @@
         </p:style>
         <p:txBody>
           <a:bodyPr rtlCol="0" anchor="ctr"/>
-          <a:lstStyle/>
           <a:p>
             <a:pPr algn="ctr"/>
             <a:r>
@@ -14710,7 +13608,6 @@
         </p:style>
         <p:txBody>
           <a:bodyPr rtlCol="0" anchor="ctr"/>
-          <a:lstStyle/>
           <a:p>
             <a:pPr algn="ctr"/>
             <a:endParaRPr lang="zh-CN" altLang="en-US"/>
@@ -14737,7 +13634,6 @@
           <a:bodyPr wrap="square" rtlCol="0">
             <a:spAutoFit/>
           </a:bodyPr>
-          <a:lstStyle/>
           <a:p>
             <a:r>
               <a:rPr lang="en-US" altLang="zh-CN"/>
@@ -14780,7 +13676,6 @@
         </p:style>
         <p:txBody>
           <a:bodyPr rtlCol="0" anchor="ctr"/>
-          <a:lstStyle/>
           <a:p>
             <a:pPr algn="ctr"/>
             <a:endParaRPr lang="zh-CN" altLang="en-US"/>
@@ -14820,7 +13715,6 @@
         </p:style>
         <p:txBody>
           <a:bodyPr rtlCol="0" anchor="ctr"/>
-          <a:lstStyle/>
           <a:p>
             <a:pPr algn="ctr"/>
             <a:endParaRPr lang="zh-CN" altLang="en-US"/>
@@ -14860,7 +13754,6 @@
         </p:style>
         <p:txBody>
           <a:bodyPr rtlCol="0" anchor="ctr"/>
-          <a:lstStyle/>
           <a:p>
             <a:pPr algn="ctr"/>
             <a:endParaRPr lang="zh-CN" altLang="en-US"/>
@@ -14909,7 +13802,6 @@
         </p:style>
         <p:txBody>
           <a:bodyPr rtlCol="0" anchor="ctr"/>
-          <a:lstStyle/>
           <a:p>
             <a:pPr algn="ctr"/>
             <a:r>
@@ -14961,7 +13853,6 @@
         </p:style>
         <p:txBody>
           <a:bodyPr rtlCol="0" anchor="ctr"/>
-          <a:lstStyle/>
           <a:p>
             <a:pPr algn="ctr"/>
             <a:endParaRPr lang="zh-CN" altLang="en-US"/>
@@ -15002,7 +13893,6 @@
         </p:style>
         <p:txBody>
           <a:bodyPr rtlCol="0" anchor="ctr"/>
-          <a:lstStyle/>
           <a:p>
             <a:pPr algn="ctr"/>
             <a:r>
@@ -15100,7 +13990,6 @@
         </p:style>
         <p:txBody>
           <a:bodyPr rtlCol="0" anchor="ctr"/>
-          <a:lstStyle/>
           <a:p>
             <a:pPr algn="ctr"/>
             <a:r>
@@ -15183,7 +14072,6 @@
         </p:style>
         <p:txBody>
           <a:bodyPr rtlCol="0" anchor="ctr"/>
-          <a:lstStyle/>
           <a:p>
             <a:pPr algn="ctr"/>
             <a:r>
@@ -15269,7 +14157,6 @@
         </p:style>
         <p:txBody>
           <a:bodyPr rtlCol="0" anchor="ctr"/>
-          <a:lstStyle/>
           <a:p>
             <a:pPr algn="ctr"/>
             <a:r>
@@ -15355,7 +14242,6 @@
         </p:style>
         <p:txBody>
           <a:bodyPr rtlCol="0" anchor="ctr"/>
-          <a:lstStyle/>
           <a:p>
             <a:pPr algn="ctr"/>
             <a:r>
@@ -15474,7 +14360,6 @@
         </p:style>
         <p:txBody>
           <a:bodyPr rtlCol="0" anchor="ctr"/>
-          <a:lstStyle/>
           <a:p>
             <a:pPr algn="ctr"/>
             <a:r>
@@ -15510,7 +14395,18 @@
                 <a:cs typeface="Segoe UI" panose="020B0502040204020203" charset="0"/>
                 <a:sym typeface="+mn-ea"/>
               </a:rPr>
-              <a:t> Mr &lt; Mrbound' &lt; Mr+3</a:t>
+              <a:t> </a:t>
+            </a:r>
+            <a:r>
+              <a:rPr lang="en-US" altLang="zh-CN">
+                <a:solidFill>
+                  <a:schemeClr val="tx1"/>
+                </a:solidFill>
+                <a:latin typeface="Segoe UI" panose="020B0502040204020203" charset="0"/>
+                <a:cs typeface="Segoe UI" panose="020B0502040204020203" charset="0"/>
+                <a:sym typeface="+mn-ea"/>
+              </a:rPr>
+              <a:t>Mr &lt; Mrbound' &lt; Mr+3</a:t>
             </a:r>
             <a:endParaRPr lang="en-US" altLang="zh-CN">
               <a:solidFill>
@@ -15557,7 +14453,6 @@
         </p:style>
         <p:txBody>
           <a:bodyPr rtlCol="0" anchor="ctr"/>
-          <a:lstStyle/>
           <a:p>
             <a:pPr algn="ctr"/>
             <a:r>
@@ -15672,7 +14567,6 @@
         </p:style>
         <p:txBody>
           <a:bodyPr rtlCol="0" anchor="ctr"/>
-          <a:lstStyle/>
           <a:p>
             <a:pPr algn="ctr"/>
             <a:endParaRPr lang="zh-CN" altLang="en-US"/>
@@ -15745,7 +14639,6 @@
         </p:style>
         <p:txBody>
           <a:bodyPr rtlCol="0" anchor="ctr"/>
-          <a:lstStyle/>
           <a:p>
             <a:pPr algn="ctr"/>
             <a:r>
@@ -15866,11 +14759,10 @@
         </p:style>
         <p:txBody>
           <a:bodyPr rtlCol="0" anchor="ctr"/>
-          <a:lstStyle/>
           <a:p>
             <a:pPr algn="ctr"/>
             <a:r>
-              <a:rPr lang="zh-CN" altLang="en-US" dirty="0">
+              <a:rPr lang="zh-CN" altLang="en-US">
                 <a:solidFill>
                   <a:schemeClr val="tx1"/>
                 </a:solidFill>
@@ -15878,14 +14770,14 @@
               <a:t>返回</a:t>
             </a:r>
             <a:r>
-              <a:rPr lang="en-US" altLang="zh-CN" dirty="0" err="1">
+              <a:rPr lang="en-US" altLang="zh-CN">
                 <a:solidFill>
                   <a:schemeClr val="tx1"/>
                 </a:solidFill>
               </a:rPr>
               <a:t>x&amp;MPr</a:t>
             </a:r>
-            <a:endParaRPr lang="en-US" altLang="zh-CN" dirty="0">
+            <a:endParaRPr lang="en-US" altLang="zh-CN">
               <a:solidFill>
                 <a:schemeClr val="tx1"/>
               </a:solidFill>
